--- a/reviews/system-io-梁浩.pptx
+++ b/reviews/system-io-梁浩.pptx
@@ -14,18 +14,19 @@
     <p:sldId id="262" r:id="rId8"/>
     <p:sldId id="267" r:id="rId9"/>
     <p:sldId id="270" r:id="rId10"/>
-    <p:sldId id="263" r:id="rId11"/>
-    <p:sldId id="266" r:id="rId12"/>
-    <p:sldId id="268" r:id="rId13"/>
-    <p:sldId id="279" r:id="rId14"/>
-    <p:sldId id="272" r:id="rId15"/>
-    <p:sldId id="277" r:id="rId16"/>
-    <p:sldId id="274" r:id="rId17"/>
-    <p:sldId id="275" r:id="rId18"/>
-    <p:sldId id="276" r:id="rId19"/>
-    <p:sldId id="280" r:id="rId20"/>
-    <p:sldId id="281" r:id="rId21"/>
-    <p:sldId id="282" r:id="rId22"/>
+    <p:sldId id="266" r:id="rId11"/>
+    <p:sldId id="263" r:id="rId12"/>
+    <p:sldId id="283" r:id="rId13"/>
+    <p:sldId id="268" r:id="rId14"/>
+    <p:sldId id="279" r:id="rId15"/>
+    <p:sldId id="272" r:id="rId16"/>
+    <p:sldId id="277" r:id="rId17"/>
+    <p:sldId id="274" r:id="rId18"/>
+    <p:sldId id="275" r:id="rId19"/>
+    <p:sldId id="276" r:id="rId20"/>
+    <p:sldId id="280" r:id="rId21"/>
+    <p:sldId id="281" r:id="rId22"/>
+    <p:sldId id="282" r:id="rId23"/>
   </p:sldIdLst>
   <p:sldSz cx="12192000" cy="6858000"/>
   <p:notesSz cx="6858000" cy="9144000"/>
@@ -362,7 +363,7 @@
           <a:p>
             <a:fld id="{E62AE274-7980-48B0-B362-AD80E772167D}" type="datetimeFigureOut">
               <a:rPr lang="zh-CN" altLang="en-US" smtClean="0"/>
-              <a:t>2018/12/5</a:t>
+              <a:t>2018/12/6</a:t>
             </a:fld>
             <a:endParaRPr lang="zh-CN" altLang="en-US"/>
           </a:p>
@@ -677,7 +678,7 @@
           <a:p>
             <a:fld id="{E62AE274-7980-48B0-B362-AD80E772167D}" type="datetimeFigureOut">
               <a:rPr lang="zh-CN" altLang="en-US" smtClean="0"/>
-              <a:t>2018/12/5</a:t>
+              <a:t>2018/12/6</a:t>
             </a:fld>
             <a:endParaRPr lang="zh-CN" altLang="en-US"/>
           </a:p>
@@ -899,7 +900,7 @@
           <a:p>
             <a:fld id="{E62AE274-7980-48B0-B362-AD80E772167D}" type="datetimeFigureOut">
               <a:rPr lang="zh-CN" altLang="en-US" smtClean="0"/>
-              <a:t>2018/12/5</a:t>
+              <a:t>2018/12/6</a:t>
             </a:fld>
             <a:endParaRPr lang="zh-CN" altLang="en-US"/>
           </a:p>
@@ -1190,7 +1191,7 @@
           <a:p>
             <a:fld id="{E62AE274-7980-48B0-B362-AD80E772167D}" type="datetimeFigureOut">
               <a:rPr lang="zh-CN" altLang="en-US" smtClean="0"/>
-              <a:t>2018/12/5</a:t>
+              <a:t>2018/12/6</a:t>
             </a:fld>
             <a:endParaRPr lang="zh-CN" altLang="en-US"/>
           </a:p>
@@ -1644,7 +1645,7 @@
           <a:p>
             <a:fld id="{E62AE274-7980-48B0-B362-AD80E772167D}" type="datetimeFigureOut">
               <a:rPr lang="zh-CN" altLang="en-US" smtClean="0"/>
-              <a:t>2018/12/5</a:t>
+              <a:t>2018/12/6</a:t>
             </a:fld>
             <a:endParaRPr lang="zh-CN" altLang="en-US"/>
           </a:p>
@@ -2220,7 +2221,7 @@
           <a:p>
             <a:fld id="{E62AE274-7980-48B0-B362-AD80E772167D}" type="datetimeFigureOut">
               <a:rPr lang="zh-CN" altLang="en-US" smtClean="0"/>
-              <a:t>2018/12/5</a:t>
+              <a:t>2018/12/6</a:t>
             </a:fld>
             <a:endParaRPr lang="zh-CN" altLang="en-US"/>
           </a:p>
@@ -3081,7 +3082,7 @@
           <a:p>
             <a:fld id="{E62AE274-7980-48B0-B362-AD80E772167D}" type="datetimeFigureOut">
               <a:rPr lang="zh-CN" altLang="en-US" smtClean="0"/>
-              <a:t>2018/12/5</a:t>
+              <a:t>2018/12/6</a:t>
             </a:fld>
             <a:endParaRPr lang="zh-CN" altLang="en-US"/>
           </a:p>
@@ -3286,7 +3287,7 @@
           <a:p>
             <a:fld id="{E62AE274-7980-48B0-B362-AD80E772167D}" type="datetimeFigureOut">
               <a:rPr lang="zh-CN" altLang="en-US" smtClean="0"/>
-              <a:t>2018/12/5</a:t>
+              <a:t>2018/12/6</a:t>
             </a:fld>
             <a:endParaRPr lang="zh-CN" altLang="en-US"/>
           </a:p>
@@ -3500,7 +3501,7 @@
           <a:p>
             <a:fld id="{E62AE274-7980-48B0-B362-AD80E772167D}" type="datetimeFigureOut">
               <a:rPr lang="zh-CN" altLang="en-US" smtClean="0"/>
-              <a:t>2018/12/5</a:t>
+              <a:t>2018/12/6</a:t>
             </a:fld>
             <a:endParaRPr lang="zh-CN" altLang="en-US"/>
           </a:p>
@@ -3705,7 +3706,7 @@
           <a:p>
             <a:fld id="{E62AE274-7980-48B0-B362-AD80E772167D}" type="datetimeFigureOut">
               <a:rPr lang="zh-CN" altLang="en-US" smtClean="0"/>
-              <a:t>2018/12/5</a:t>
+              <a:t>2018/12/6</a:t>
             </a:fld>
             <a:endParaRPr lang="zh-CN" altLang="en-US"/>
           </a:p>
@@ -3985,7 +3986,7 @@
           <a:p>
             <a:fld id="{E62AE274-7980-48B0-B362-AD80E772167D}" type="datetimeFigureOut">
               <a:rPr lang="zh-CN" altLang="en-US" smtClean="0"/>
-              <a:t>2018/12/5</a:t>
+              <a:t>2018/12/6</a:t>
             </a:fld>
             <a:endParaRPr lang="zh-CN" altLang="en-US"/>
           </a:p>
@@ -4252,7 +4253,7 @@
           <a:p>
             <a:fld id="{E62AE274-7980-48B0-B362-AD80E772167D}" type="datetimeFigureOut">
               <a:rPr lang="zh-CN" altLang="en-US" smtClean="0"/>
-              <a:t>2018/12/5</a:t>
+              <a:t>2018/12/6</a:t>
             </a:fld>
             <a:endParaRPr lang="zh-CN" altLang="en-US"/>
           </a:p>
@@ -4667,7 +4668,7 @@
           <a:p>
             <a:fld id="{E62AE274-7980-48B0-B362-AD80E772167D}" type="datetimeFigureOut">
               <a:rPr lang="zh-CN" altLang="en-US" smtClean="0"/>
-              <a:t>2018/12/5</a:t>
+              <a:t>2018/12/6</a:t>
             </a:fld>
             <a:endParaRPr lang="zh-CN" altLang="en-US"/>
           </a:p>
@@ -4815,7 +4816,7 @@
           <a:p>
             <a:fld id="{E62AE274-7980-48B0-B362-AD80E772167D}" type="datetimeFigureOut">
               <a:rPr lang="zh-CN" altLang="en-US" smtClean="0"/>
-              <a:t>2018/12/5</a:t>
+              <a:t>2018/12/6</a:t>
             </a:fld>
             <a:endParaRPr lang="zh-CN" altLang="en-US"/>
           </a:p>
@@ -4940,7 +4941,7 @@
           <a:p>
             <a:fld id="{E62AE274-7980-48B0-B362-AD80E772167D}" type="datetimeFigureOut">
               <a:rPr lang="zh-CN" altLang="en-US" smtClean="0"/>
-              <a:t>2018/12/5</a:t>
+              <a:t>2018/12/6</a:t>
             </a:fld>
             <a:endParaRPr lang="zh-CN" altLang="en-US"/>
           </a:p>
@@ -5219,7 +5220,7 @@
           <a:p>
             <a:fld id="{E62AE274-7980-48B0-B362-AD80E772167D}" type="datetimeFigureOut">
               <a:rPr lang="zh-CN" altLang="en-US" smtClean="0"/>
-              <a:t>2018/12/5</a:t>
+              <a:t>2018/12/6</a:t>
             </a:fld>
             <a:endParaRPr lang="zh-CN" altLang="en-US"/>
           </a:p>
@@ -5534,7 +5535,7 @@
           <a:p>
             <a:fld id="{E62AE274-7980-48B0-B362-AD80E772167D}" type="datetimeFigureOut">
               <a:rPr lang="zh-CN" altLang="en-US" smtClean="0"/>
-              <a:t>2018/12/5</a:t>
+              <a:t>2018/12/6</a:t>
             </a:fld>
             <a:endParaRPr lang="zh-CN" altLang="en-US"/>
           </a:p>
@@ -5787,7 +5788,7 @@
           <a:p>
             <a:fld id="{E62AE274-7980-48B0-B362-AD80E772167D}" type="datetimeFigureOut">
               <a:rPr lang="zh-CN" altLang="en-US" smtClean="0"/>
-              <a:t>2018/12/5</a:t>
+              <a:t>2018/12/6</a:t>
             </a:fld>
             <a:endParaRPr lang="zh-CN" altLang="en-US"/>
           </a:p>
@@ -6370,6 +6371,298 @@
             <p:ph sz="quarter" idx="13"/>
           </p:nvPr>
         </p:nvSpPr>
+        <p:spPr/>
+        <p:txBody>
+          <a:bodyPr/>
+          <a:lstStyle/>
+          <a:p>
+            <a:r>
+              <a:rPr lang="en-US" altLang="zh-CN" b="1" cap="none" dirty="0" err="1">
+                <a:solidFill>
+                  <a:srgbClr val="502000"/>
+                </a:solidFill>
+                <a:latin typeface="Courier New" panose="02070309020205020404" pitchFamily="49" charset="0"/>
+                <a:cs typeface="Courier New" panose="02070309020205020404" pitchFamily="49" charset="0"/>
+              </a:rPr>
+              <a:t>int</a:t>
+            </a:r>
+            <a:r>
+              <a:rPr lang="en-US" altLang="zh-CN" b="1" cap="none" dirty="0">
+                <a:solidFill>
+                  <a:srgbClr val="502000"/>
+                </a:solidFill>
+                <a:latin typeface="Courier New" panose="02070309020205020404" pitchFamily="49" charset="0"/>
+                <a:cs typeface="Courier New" panose="02070309020205020404" pitchFamily="49" charset="0"/>
+              </a:rPr>
+              <a:t> dup2(</a:t>
+            </a:r>
+            <a:r>
+              <a:rPr lang="en-US" altLang="zh-CN" b="1" cap="none" dirty="0" err="1">
+                <a:solidFill>
+                  <a:srgbClr val="502000"/>
+                </a:solidFill>
+                <a:latin typeface="Courier New" panose="02070309020205020404" pitchFamily="49" charset="0"/>
+                <a:cs typeface="Courier New" panose="02070309020205020404" pitchFamily="49" charset="0"/>
+              </a:rPr>
+              <a:t>int</a:t>
+            </a:r>
+            <a:r>
+              <a:rPr lang="en-US" altLang="zh-CN" b="1" cap="none" dirty="0">
+                <a:solidFill>
+                  <a:srgbClr val="502000"/>
+                </a:solidFill>
+                <a:latin typeface="Courier New" panose="02070309020205020404" pitchFamily="49" charset="0"/>
+                <a:cs typeface="Courier New" panose="02070309020205020404" pitchFamily="49" charset="0"/>
+              </a:rPr>
+              <a:t> </a:t>
+            </a:r>
+            <a:r>
+              <a:rPr lang="en-US" altLang="zh-CN" i="1" cap="none" dirty="0" err="1">
+                <a:solidFill>
+                  <a:srgbClr val="006000"/>
+                </a:solidFill>
+                <a:latin typeface="Courier New" panose="02070309020205020404" pitchFamily="49" charset="0"/>
+                <a:cs typeface="Courier New" panose="02070309020205020404" pitchFamily="49" charset="0"/>
+              </a:rPr>
+              <a:t>oldfd</a:t>
+            </a:r>
+            <a:r>
+              <a:rPr lang="en-US" altLang="zh-CN" cap="none" dirty="0" smtClean="0">
+                <a:latin typeface="Century" panose="02040604050505020304" pitchFamily="18" charset="0"/>
+              </a:rPr>
+              <a:t>, </a:t>
+            </a:r>
+            <a:r>
+              <a:rPr lang="en-US" altLang="zh-CN" b="1" cap="none" dirty="0" err="1">
+                <a:solidFill>
+                  <a:srgbClr val="502000"/>
+                </a:solidFill>
+                <a:latin typeface="Courier New" panose="02070309020205020404" pitchFamily="49" charset="0"/>
+                <a:cs typeface="Courier New" panose="02070309020205020404" pitchFamily="49" charset="0"/>
+              </a:rPr>
+              <a:t>int</a:t>
+            </a:r>
+            <a:r>
+              <a:rPr lang="en-US" altLang="zh-CN" cap="none" dirty="0" smtClean="0">
+                <a:latin typeface="Century" panose="02040604050505020304" pitchFamily="18" charset="0"/>
+              </a:rPr>
+              <a:t> </a:t>
+            </a:r>
+            <a:r>
+              <a:rPr lang="en-US" altLang="zh-CN" i="1" cap="none" dirty="0" err="1">
+                <a:solidFill>
+                  <a:srgbClr val="006000"/>
+                </a:solidFill>
+                <a:latin typeface="Courier New" panose="02070309020205020404" pitchFamily="49" charset="0"/>
+                <a:cs typeface="Courier New" panose="02070309020205020404" pitchFamily="49" charset="0"/>
+              </a:rPr>
+              <a:t>newfd</a:t>
+            </a:r>
+            <a:r>
+              <a:rPr lang="en-US" altLang="zh-CN" b="1" cap="none" dirty="0">
+                <a:solidFill>
+                  <a:srgbClr val="502000"/>
+                </a:solidFill>
+                <a:latin typeface="Courier New" panose="02070309020205020404" pitchFamily="49" charset="0"/>
+                <a:cs typeface="Courier New" panose="02070309020205020404" pitchFamily="49" charset="0"/>
+              </a:rPr>
+              <a:t>);</a:t>
+            </a:r>
+            <a:r>
+              <a:rPr lang="en-US" altLang="zh-CN" cap="none" dirty="0" smtClean="0">
+                <a:latin typeface="Century" panose="02040604050505020304" pitchFamily="18" charset="0"/>
+              </a:rPr>
+              <a:t> </a:t>
+            </a:r>
+            <a:endParaRPr lang="en-US" altLang="zh-CN" cap="none" dirty="0" smtClean="0">
+              <a:latin typeface="Century" panose="02040604050505020304" pitchFamily="18" charset="0"/>
+            </a:endParaRPr>
+          </a:p>
+          <a:p>
+            <a:r>
+              <a:rPr lang="zh-CN" altLang="en-US" cap="none" dirty="0" smtClean="0">
+                <a:latin typeface="Century" panose="02040604050505020304" pitchFamily="18" charset="0"/>
+              </a:rPr>
+              <a:t>把</a:t>
+            </a:r>
+            <a:r>
+              <a:rPr lang="en-US" altLang="zh-CN" cap="none" dirty="0" err="1" smtClean="0">
+                <a:latin typeface="Courier New" panose="02070309020205020404" pitchFamily="49" charset="0"/>
+                <a:cs typeface="Courier New" panose="02070309020205020404" pitchFamily="49" charset="0"/>
+              </a:rPr>
+              <a:t>newfd</a:t>
+            </a:r>
+            <a:r>
+              <a:rPr lang="zh-CN" altLang="en-US" cap="none" dirty="0" smtClean="0">
+                <a:latin typeface="Century" panose="02040604050505020304" pitchFamily="18" charset="0"/>
+              </a:rPr>
+              <a:t>指向</a:t>
+            </a:r>
+            <a:r>
+              <a:rPr lang="en-US" altLang="zh-CN" cap="none" dirty="0" err="1">
+                <a:latin typeface="Courier New" panose="02070309020205020404" pitchFamily="49" charset="0"/>
+                <a:cs typeface="Courier New" panose="02070309020205020404" pitchFamily="49" charset="0"/>
+              </a:rPr>
+              <a:t>oldfd</a:t>
+            </a:r>
+            <a:r>
+              <a:rPr lang="zh-CN" altLang="en-US" cap="none" dirty="0" smtClean="0">
+                <a:latin typeface="Century" panose="02040604050505020304" pitchFamily="18" charset="0"/>
+              </a:rPr>
+              <a:t>对应的“打开文件表”中的项，并给对应项的引用次数</a:t>
+            </a:r>
+            <a:r>
+              <a:rPr lang="en-US" altLang="zh-CN" cap="none" dirty="0" smtClean="0">
+                <a:latin typeface="Century" panose="02040604050505020304" pitchFamily="18" charset="0"/>
+              </a:rPr>
+              <a:t>+1</a:t>
+            </a:r>
+            <a:r>
+              <a:rPr lang="zh-CN" altLang="en-US" cap="none" dirty="0" smtClean="0">
+                <a:latin typeface="Century" panose="02040604050505020304" pitchFamily="18" charset="0"/>
+              </a:rPr>
+              <a:t>。</a:t>
+            </a:r>
+            <a:endParaRPr lang="en-US" altLang="zh-CN" cap="none" dirty="0" smtClean="0">
+              <a:latin typeface="Century" panose="02040604050505020304" pitchFamily="18" charset="0"/>
+            </a:endParaRPr>
+          </a:p>
+          <a:p>
+            <a:endParaRPr lang="en-US" altLang="zh-CN" cap="none" dirty="0">
+              <a:latin typeface="Century" panose="02040604050505020304" pitchFamily="18" charset="0"/>
+            </a:endParaRPr>
+          </a:p>
+          <a:p>
+            <a:r>
+              <a:rPr lang="zh-CN" altLang="en-US" cap="none" dirty="0" smtClean="0">
+                <a:latin typeface="Century" panose="02040604050505020304" pitchFamily="18" charset="0"/>
+              </a:rPr>
+              <a:t>成功则返回</a:t>
+            </a:r>
+            <a:r>
+              <a:rPr lang="en-US" altLang="zh-CN" cap="none" dirty="0" err="1">
+                <a:latin typeface="Courier New" panose="02070309020205020404" pitchFamily="49" charset="0"/>
+                <a:cs typeface="Courier New" panose="02070309020205020404" pitchFamily="49" charset="0"/>
+              </a:rPr>
+              <a:t>newfd</a:t>
+            </a:r>
+            <a:r>
+              <a:rPr lang="zh-CN" altLang="en-US" cap="none" dirty="0" smtClean="0">
+                <a:latin typeface="Century" panose="02040604050505020304" pitchFamily="18" charset="0"/>
+              </a:rPr>
+              <a:t>，失败返回</a:t>
+            </a:r>
+            <a:r>
+              <a:rPr lang="en-US" altLang="zh-CN" cap="none" dirty="0" smtClean="0">
+                <a:latin typeface="Century" panose="02040604050505020304" pitchFamily="18" charset="0"/>
+              </a:rPr>
+              <a:t>-1</a:t>
+            </a:r>
+            <a:r>
+              <a:rPr lang="zh-CN" altLang="en-US" cap="none" dirty="0" smtClean="0">
+                <a:latin typeface="Century" panose="02040604050505020304" pitchFamily="18" charset="0"/>
+              </a:rPr>
+              <a:t>并设置</a:t>
+            </a:r>
+            <a:r>
+              <a:rPr lang="en-US" altLang="zh-CN" cap="none" dirty="0" err="1">
+                <a:latin typeface="Courier New" panose="02070309020205020404" pitchFamily="49" charset="0"/>
+                <a:cs typeface="Courier New" panose="02070309020205020404" pitchFamily="49" charset="0"/>
+              </a:rPr>
+              <a:t>errno</a:t>
+            </a:r>
+            <a:r>
+              <a:rPr lang="zh-CN" altLang="en-US" cap="none" dirty="0" smtClean="0">
+                <a:latin typeface="Century" panose="02040604050505020304" pitchFamily="18" charset="0"/>
+              </a:rPr>
+              <a:t>。</a:t>
+            </a:r>
+            <a:endParaRPr lang="en-US" altLang="zh-CN" cap="none" dirty="0">
+              <a:latin typeface="Century" panose="02040604050505020304" pitchFamily="18" charset="0"/>
+            </a:endParaRPr>
+          </a:p>
+        </p:txBody>
+      </p:sp>
+    </p:spTree>
+    <p:extLst>
+      <p:ext uri="{BB962C8B-B14F-4D97-AF65-F5344CB8AC3E}">
+        <p14:creationId xmlns:p14="http://schemas.microsoft.com/office/powerpoint/2010/main" val="2123876615"/>
+      </p:ext>
+    </p:extLst>
+  </p:cSld>
+  <p:clrMapOvr>
+    <a:masterClrMapping/>
+  </p:clrMapOvr>
+  <p:timing>
+    <p:tnLst>
+      <p:par>
+        <p:cTn id="1" dur="indefinite" restart="never" nodeType="tmRoot"/>
+      </p:par>
+    </p:tnLst>
+  </p:timing>
+</p:sld>
+</file>
+
+<file path=ppt/slides/slide11.xml><?xml version="1.0" encoding="utf-8"?>
+<p:sld xmlns:a="http://schemas.openxmlformats.org/drawingml/2006/main" xmlns:r="http://schemas.openxmlformats.org/officeDocument/2006/relationships" xmlns:p="http://schemas.openxmlformats.org/presentationml/2006/main">
+  <p:cSld>
+    <p:spTree>
+      <p:nvGrpSpPr>
+        <p:cNvPr id="1" name=""/>
+        <p:cNvGrpSpPr/>
+        <p:nvPr/>
+      </p:nvGrpSpPr>
+      <p:grpSpPr>
+        <a:xfrm>
+          <a:off x="0" y="0"/>
+          <a:ext cx="0" cy="0"/>
+          <a:chOff x="0" y="0"/>
+          <a:chExt cx="0" cy="0"/>
+        </a:xfrm>
+      </p:grpSpPr>
+      <p:sp>
+        <p:nvSpPr>
+          <p:cNvPr id="2" name="标题 1"/>
+          <p:cNvSpPr>
+            <a:spLocks noGrp="1"/>
+          </p:cNvSpPr>
+          <p:nvPr>
+            <p:ph type="title"/>
+          </p:nvPr>
+        </p:nvSpPr>
+        <p:spPr/>
+        <p:txBody>
+          <a:bodyPr/>
+          <a:lstStyle/>
+          <a:p>
+            <a:r>
+              <a:rPr lang="en-US" altLang="zh-CN" cap="none" dirty="0" smtClean="0">
+                <a:latin typeface="Century" panose="02040604050505020304" pitchFamily="18" charset="0"/>
+              </a:rPr>
+              <a:t>Linux </a:t>
+            </a:r>
+            <a:r>
+              <a:rPr lang="zh-CN" altLang="en-US" cap="none" dirty="0" smtClean="0">
+                <a:latin typeface="Century" panose="02040604050505020304" pitchFamily="18" charset="0"/>
+              </a:rPr>
+              <a:t>文件操作</a:t>
+            </a:r>
+            <a:endParaRPr lang="zh-CN" altLang="en-US" cap="none" dirty="0">
+              <a:latin typeface="Century" panose="02040604050505020304" pitchFamily="18" charset="0"/>
+            </a:endParaRPr>
+          </a:p>
+        </p:txBody>
+      </p:sp>
+      <p:sp>
+        <p:nvSpPr>
+          <p:cNvPr id="3" name="内容占位符 2"/>
+          <p:cNvSpPr>
+            <a:spLocks noGrp="1"/>
+          </p:cNvSpPr>
+          <p:nvPr>
+            <p:ph sz="quarter" idx="13"/>
+          </p:nvPr>
+        </p:nvSpPr>
         <p:spPr>
           <a:xfrm>
             <a:off x="282007" y="2383717"/>
@@ -6381,136 +6674,235 @@
           <a:lstStyle/>
           <a:p>
             <a:r>
-              <a:rPr lang="en-US" altLang="zh-CN" cap="none" dirty="0" err="1" smtClean="0">
-                <a:latin typeface="Century" panose="02040604050505020304" pitchFamily="18" charset="0"/>
+              <a:rPr lang="en-US" altLang="zh-CN" b="1" cap="none" dirty="0" err="1">
+                <a:solidFill>
+                  <a:srgbClr val="502000"/>
+                </a:solidFill>
+                <a:latin typeface="Courier New" panose="02070309020205020404" pitchFamily="49" charset="0"/>
+                <a:cs typeface="Courier New" panose="02070309020205020404" pitchFamily="49" charset="0"/>
               </a:rPr>
               <a:t>int</a:t>
             </a:r>
             <a:r>
+              <a:rPr lang="en-US" altLang="zh-CN" b="1" cap="none" dirty="0">
+                <a:solidFill>
+                  <a:srgbClr val="502000"/>
+                </a:solidFill>
+                <a:latin typeface="Courier New" panose="02070309020205020404" pitchFamily="49" charset="0"/>
+                <a:cs typeface="Courier New" panose="02070309020205020404" pitchFamily="49" charset="0"/>
+              </a:rPr>
+              <a:t> stat(</a:t>
+            </a:r>
+            <a:r>
+              <a:rPr lang="en-US" altLang="zh-CN" b="1" cap="none" dirty="0" err="1">
+                <a:solidFill>
+                  <a:srgbClr val="502000"/>
+                </a:solidFill>
+                <a:latin typeface="Courier New" panose="02070309020205020404" pitchFamily="49" charset="0"/>
+                <a:cs typeface="Courier New" panose="02070309020205020404" pitchFamily="49" charset="0"/>
+              </a:rPr>
+              <a:t>const</a:t>
+            </a:r>
+            <a:r>
+              <a:rPr lang="en-US" altLang="zh-CN" b="1" cap="none" dirty="0">
+                <a:solidFill>
+                  <a:srgbClr val="502000"/>
+                </a:solidFill>
+                <a:latin typeface="Courier New" panose="02070309020205020404" pitchFamily="49" charset="0"/>
+                <a:cs typeface="Courier New" panose="02070309020205020404" pitchFamily="49" charset="0"/>
+              </a:rPr>
+              <a:t> char</a:t>
+            </a:r>
+            <a:r>
               <a:rPr lang="en-US" altLang="zh-CN" cap="none" dirty="0" smtClean="0">
                 <a:latin typeface="Century" panose="02040604050505020304" pitchFamily="18" charset="0"/>
               </a:rPr>
-              <a:t> stat(</a:t>
-            </a:r>
-            <a:r>
-              <a:rPr lang="en-US" altLang="zh-CN" cap="none" dirty="0" err="1" smtClean="0">
-                <a:latin typeface="Century" panose="02040604050505020304" pitchFamily="18" charset="0"/>
-              </a:rPr>
-              <a:t>const</a:t>
+              <a:t> </a:t>
+            </a:r>
+            <a:r>
+              <a:rPr lang="en-US" altLang="zh-CN" b="1" cap="none" dirty="0">
+                <a:solidFill>
+                  <a:srgbClr val="502000"/>
+                </a:solidFill>
+                <a:latin typeface="Courier New" panose="02070309020205020404" pitchFamily="49" charset="0"/>
+                <a:cs typeface="Courier New" panose="02070309020205020404" pitchFamily="49" charset="0"/>
+              </a:rPr>
+              <a:t>*</a:t>
+            </a:r>
+            <a:r>
+              <a:rPr lang="en-US" altLang="zh-CN" i="1" cap="none" dirty="0">
+                <a:solidFill>
+                  <a:srgbClr val="006000"/>
+                </a:solidFill>
+                <a:latin typeface="Courier New" panose="02070309020205020404" pitchFamily="49" charset="0"/>
+                <a:cs typeface="Courier New" panose="02070309020205020404" pitchFamily="49" charset="0"/>
+              </a:rPr>
+              <a:t>filename</a:t>
             </a:r>
             <a:r>
               <a:rPr lang="en-US" altLang="zh-CN" cap="none" dirty="0" smtClean="0">
                 <a:latin typeface="Century" panose="02040604050505020304" pitchFamily="18" charset="0"/>
               </a:rPr>
-              <a:t> char *filename, </a:t>
-            </a:r>
-            <a:r>
-              <a:rPr lang="en-US" altLang="zh-CN" cap="none" dirty="0" err="1" smtClean="0">
-                <a:latin typeface="Century" panose="02040604050505020304" pitchFamily="18" charset="0"/>
+              <a:t>, </a:t>
+            </a:r>
+            <a:r>
+              <a:rPr lang="en-US" altLang="zh-CN" b="1" cap="none" dirty="0" err="1">
+                <a:solidFill>
+                  <a:srgbClr val="502000"/>
+                </a:solidFill>
+                <a:latin typeface="Courier New" panose="02070309020205020404" pitchFamily="49" charset="0"/>
+                <a:cs typeface="Courier New" panose="02070309020205020404" pitchFamily="49" charset="0"/>
               </a:rPr>
               <a:t>struct</a:t>
             </a:r>
             <a:r>
+              <a:rPr lang="en-US" altLang="zh-CN" b="1" cap="none" dirty="0">
+                <a:solidFill>
+                  <a:srgbClr val="502000"/>
+                </a:solidFill>
+                <a:latin typeface="Courier New" panose="02070309020205020404" pitchFamily="49" charset="0"/>
+                <a:cs typeface="Courier New" panose="02070309020205020404" pitchFamily="49" charset="0"/>
+              </a:rPr>
+              <a:t> stat *</a:t>
+            </a:r>
+            <a:r>
+              <a:rPr lang="en-US" altLang="zh-CN" i="1" cap="none" dirty="0" err="1">
+                <a:solidFill>
+                  <a:srgbClr val="006000"/>
+                </a:solidFill>
+                <a:latin typeface="Courier New" panose="02070309020205020404" pitchFamily="49" charset="0"/>
+                <a:cs typeface="Courier New" panose="02070309020205020404" pitchFamily="49" charset="0"/>
+              </a:rPr>
+              <a:t>buf</a:t>
+            </a:r>
+            <a:r>
+              <a:rPr lang="en-US" altLang="zh-CN" b="1" cap="none" dirty="0">
+                <a:solidFill>
+                  <a:srgbClr val="502000"/>
+                </a:solidFill>
+                <a:latin typeface="Courier New" panose="02070309020205020404" pitchFamily="49" charset="0"/>
+                <a:cs typeface="Courier New" panose="02070309020205020404" pitchFamily="49" charset="0"/>
+              </a:rPr>
+              <a:t>);</a:t>
+            </a:r>
+          </a:p>
+          <a:p>
+            <a:r>
+              <a:rPr lang="en-US" altLang="zh-CN" b="1" cap="none" dirty="0" err="1">
+                <a:solidFill>
+                  <a:srgbClr val="502000"/>
+                </a:solidFill>
+                <a:latin typeface="Courier New" panose="02070309020205020404" pitchFamily="49" charset="0"/>
+                <a:cs typeface="Courier New" panose="02070309020205020404" pitchFamily="49" charset="0"/>
+              </a:rPr>
+              <a:t>int</a:t>
+            </a:r>
+            <a:r>
+              <a:rPr lang="en-US" altLang="zh-CN" b="1" cap="none" dirty="0">
+                <a:solidFill>
+                  <a:srgbClr val="502000"/>
+                </a:solidFill>
+                <a:latin typeface="Courier New" panose="02070309020205020404" pitchFamily="49" charset="0"/>
+                <a:cs typeface="Courier New" panose="02070309020205020404" pitchFamily="49" charset="0"/>
+              </a:rPr>
+              <a:t> </a:t>
+            </a:r>
+            <a:r>
+              <a:rPr lang="en-US" altLang="zh-CN" b="1" cap="none" dirty="0" err="1">
+                <a:solidFill>
+                  <a:srgbClr val="502000"/>
+                </a:solidFill>
+                <a:latin typeface="Courier New" panose="02070309020205020404" pitchFamily="49" charset="0"/>
+                <a:cs typeface="Courier New" panose="02070309020205020404" pitchFamily="49" charset="0"/>
+              </a:rPr>
+              <a:t>fstat</a:t>
+            </a:r>
+            <a:r>
+              <a:rPr lang="en-US" altLang="zh-CN" b="1" cap="none" dirty="0">
+                <a:solidFill>
+                  <a:srgbClr val="502000"/>
+                </a:solidFill>
+                <a:latin typeface="Courier New" panose="02070309020205020404" pitchFamily="49" charset="0"/>
+                <a:cs typeface="Courier New" panose="02070309020205020404" pitchFamily="49" charset="0"/>
+              </a:rPr>
+              <a:t>(</a:t>
+            </a:r>
+            <a:r>
+              <a:rPr lang="en-US" altLang="zh-CN" b="1" cap="none" dirty="0" err="1">
+                <a:solidFill>
+                  <a:srgbClr val="502000"/>
+                </a:solidFill>
+                <a:latin typeface="Courier New" panose="02070309020205020404" pitchFamily="49" charset="0"/>
+                <a:cs typeface="Courier New" panose="02070309020205020404" pitchFamily="49" charset="0"/>
+              </a:rPr>
+              <a:t>int</a:t>
+            </a:r>
+            <a:r>
+              <a:rPr lang="en-US" altLang="zh-CN" b="1" cap="none" dirty="0">
+                <a:solidFill>
+                  <a:srgbClr val="502000"/>
+                </a:solidFill>
+                <a:latin typeface="Courier New" panose="02070309020205020404" pitchFamily="49" charset="0"/>
+                <a:cs typeface="Courier New" panose="02070309020205020404" pitchFamily="49" charset="0"/>
+              </a:rPr>
+              <a:t> </a:t>
+            </a:r>
+            <a:r>
+              <a:rPr lang="en-US" altLang="zh-CN" i="1" cap="none" dirty="0" err="1">
+                <a:solidFill>
+                  <a:srgbClr val="006000"/>
+                </a:solidFill>
+                <a:latin typeface="Courier New" panose="02070309020205020404" pitchFamily="49" charset="0"/>
+                <a:cs typeface="Courier New" panose="02070309020205020404" pitchFamily="49" charset="0"/>
+              </a:rPr>
+              <a:t>fd</a:t>
+            </a:r>
+            <a:r>
               <a:rPr lang="en-US" altLang="zh-CN" cap="none" dirty="0" smtClean="0">
                 <a:latin typeface="Century" panose="02040604050505020304" pitchFamily="18" charset="0"/>
               </a:rPr>
+              <a:t>, </a:t>
+            </a:r>
+            <a:r>
+              <a:rPr lang="en-US" altLang="zh-CN" b="1" cap="none" dirty="0" err="1">
+                <a:solidFill>
+                  <a:srgbClr val="502000"/>
+                </a:solidFill>
+                <a:latin typeface="Courier New" panose="02070309020205020404" pitchFamily="49" charset="0"/>
+                <a:cs typeface="Courier New" panose="02070309020205020404" pitchFamily="49" charset="0"/>
+              </a:rPr>
+              <a:t>struct</a:t>
+            </a:r>
+            <a:r>
+              <a:rPr lang="en-US" altLang="zh-CN" b="1" cap="none" dirty="0">
+                <a:solidFill>
+                  <a:srgbClr val="502000"/>
+                </a:solidFill>
+                <a:latin typeface="Courier New" panose="02070309020205020404" pitchFamily="49" charset="0"/>
+                <a:cs typeface="Courier New" panose="02070309020205020404" pitchFamily="49" charset="0"/>
+              </a:rPr>
               <a:t> stat *</a:t>
             </a:r>
             <a:r>
-              <a:rPr lang="en-US" altLang="zh-CN" cap="none" dirty="0" err="1" smtClean="0">
-                <a:latin typeface="Century" panose="02040604050505020304" pitchFamily="18" charset="0"/>
+              <a:rPr lang="en-US" altLang="zh-CN" i="1" cap="none" dirty="0" err="1">
+                <a:solidFill>
+                  <a:srgbClr val="006000"/>
+                </a:solidFill>
+                <a:latin typeface="Courier New" panose="02070309020205020404" pitchFamily="49" charset="0"/>
+                <a:cs typeface="Courier New" panose="02070309020205020404" pitchFamily="49" charset="0"/>
               </a:rPr>
               <a:t>buf</a:t>
             </a:r>
             <a:r>
-              <a:rPr lang="en-US" altLang="zh-CN" cap="none" dirty="0" smtClean="0">
-                <a:latin typeface="Century" panose="02040604050505020304" pitchFamily="18" charset="0"/>
+              <a:rPr lang="en-US" altLang="zh-CN" b="1" cap="none" dirty="0">
+                <a:solidFill>
+                  <a:srgbClr val="502000"/>
+                </a:solidFill>
+                <a:latin typeface="Courier New" panose="02070309020205020404" pitchFamily="49" charset="0"/>
+                <a:cs typeface="Courier New" panose="02070309020205020404" pitchFamily="49" charset="0"/>
               </a:rPr>
               <a:t>);</a:t>
             </a:r>
-          </a:p>
-          <a:p>
-            <a:r>
-              <a:rPr lang="en-US" altLang="zh-CN" cap="none" dirty="0" err="1">
-                <a:latin typeface="Century" panose="02040604050505020304" pitchFamily="18" charset="0"/>
-              </a:rPr>
-              <a:t>i</a:t>
-            </a:r>
-            <a:r>
-              <a:rPr lang="en-US" altLang="zh-CN" cap="none" dirty="0" err="1" smtClean="0">
-                <a:latin typeface="Century" panose="02040604050505020304" pitchFamily="18" charset="0"/>
-              </a:rPr>
-              <a:t>nt</a:t>
-            </a:r>
-            <a:r>
-              <a:rPr lang="en-US" altLang="zh-CN" cap="none" dirty="0" smtClean="0">
-                <a:latin typeface="Century" panose="02040604050505020304" pitchFamily="18" charset="0"/>
-              </a:rPr>
-              <a:t> </a:t>
-            </a:r>
-            <a:r>
-              <a:rPr lang="en-US" altLang="zh-CN" cap="none" dirty="0" err="1" smtClean="0">
-                <a:latin typeface="Century" panose="02040604050505020304" pitchFamily="18" charset="0"/>
-              </a:rPr>
-              <a:t>fstat</a:t>
-            </a:r>
-            <a:r>
-              <a:rPr lang="en-US" altLang="zh-CN" cap="none" dirty="0" smtClean="0">
-                <a:latin typeface="Century" panose="02040604050505020304" pitchFamily="18" charset="0"/>
-              </a:rPr>
-              <a:t>(</a:t>
-            </a:r>
-            <a:r>
-              <a:rPr lang="en-US" altLang="zh-CN" cap="none" dirty="0" err="1" smtClean="0">
-                <a:latin typeface="Century" panose="02040604050505020304" pitchFamily="18" charset="0"/>
-              </a:rPr>
-              <a:t>int</a:t>
-            </a:r>
-            <a:r>
-              <a:rPr lang="en-US" altLang="zh-CN" cap="none" dirty="0" smtClean="0">
-                <a:latin typeface="Century" panose="02040604050505020304" pitchFamily="18" charset="0"/>
-              </a:rPr>
-              <a:t> </a:t>
-            </a:r>
-            <a:r>
-              <a:rPr lang="en-US" altLang="zh-CN" cap="none" dirty="0" err="1" smtClean="0">
-                <a:latin typeface="Century" panose="02040604050505020304" pitchFamily="18" charset="0"/>
-              </a:rPr>
-              <a:t>fd</a:t>
-            </a:r>
-            <a:r>
-              <a:rPr lang="en-US" altLang="zh-CN" cap="none" dirty="0" smtClean="0">
-                <a:latin typeface="Century" panose="02040604050505020304" pitchFamily="18" charset="0"/>
-              </a:rPr>
-              <a:t>, </a:t>
-            </a:r>
-            <a:r>
-              <a:rPr lang="en-US" altLang="zh-CN" cap="none" dirty="0" err="1" smtClean="0">
-                <a:latin typeface="Century" panose="02040604050505020304" pitchFamily="18" charset="0"/>
-              </a:rPr>
-              <a:t>struct</a:t>
-            </a:r>
-            <a:r>
-              <a:rPr lang="en-US" altLang="zh-CN" cap="none" dirty="0" smtClean="0">
-                <a:latin typeface="Century" panose="02040604050505020304" pitchFamily="18" charset="0"/>
-              </a:rPr>
-              <a:t> stat *</a:t>
-            </a:r>
-            <a:r>
-              <a:rPr lang="en-US" altLang="zh-CN" cap="none" dirty="0" err="1" smtClean="0">
-                <a:latin typeface="Century" panose="02040604050505020304" pitchFamily="18" charset="0"/>
-              </a:rPr>
-              <a:t>buf</a:t>
-            </a:r>
-            <a:r>
-              <a:rPr lang="en-US" altLang="zh-CN" cap="none" dirty="0" smtClean="0">
-                <a:latin typeface="Century" panose="02040604050505020304" pitchFamily="18" charset="0"/>
-              </a:rPr>
-              <a:t>);</a:t>
-            </a:r>
-            <a:endParaRPr lang="en-US" altLang="zh-CN" cap="none" dirty="0">
-              <a:latin typeface="Century" panose="02040604050505020304" pitchFamily="18" charset="0"/>
-            </a:endParaRPr>
           </a:p>
           <a:p>
             <a:r>
@@ -6618,257 +7010,6 @@
 </p:sld>
 </file>
 
-<file path=ppt/slides/slide11.xml><?xml version="1.0" encoding="utf-8"?>
-<p:sld xmlns:a="http://schemas.openxmlformats.org/drawingml/2006/main" xmlns:r="http://schemas.openxmlformats.org/officeDocument/2006/relationships" xmlns:p="http://schemas.openxmlformats.org/presentationml/2006/main">
-  <p:cSld>
-    <p:spTree>
-      <p:nvGrpSpPr>
-        <p:cNvPr id="1" name=""/>
-        <p:cNvGrpSpPr/>
-        <p:nvPr/>
-      </p:nvGrpSpPr>
-      <p:grpSpPr>
-        <a:xfrm>
-          <a:off x="0" y="0"/>
-          <a:ext cx="0" cy="0"/>
-          <a:chOff x="0" y="0"/>
-          <a:chExt cx="0" cy="0"/>
-        </a:xfrm>
-      </p:grpSpPr>
-      <p:sp>
-        <p:nvSpPr>
-          <p:cNvPr id="2" name="标题 1"/>
-          <p:cNvSpPr>
-            <a:spLocks noGrp="1"/>
-          </p:cNvSpPr>
-          <p:nvPr>
-            <p:ph type="title"/>
-          </p:nvPr>
-        </p:nvSpPr>
-        <p:spPr/>
-        <p:txBody>
-          <a:bodyPr/>
-          <a:lstStyle/>
-          <a:p>
-            <a:r>
-              <a:rPr lang="en-US" altLang="zh-CN" cap="none" dirty="0" smtClean="0">
-                <a:latin typeface="Century" panose="02040604050505020304" pitchFamily="18" charset="0"/>
-              </a:rPr>
-              <a:t>Linux </a:t>
-            </a:r>
-            <a:r>
-              <a:rPr lang="zh-CN" altLang="en-US" cap="none" dirty="0" smtClean="0">
-                <a:latin typeface="Century" panose="02040604050505020304" pitchFamily="18" charset="0"/>
-              </a:rPr>
-              <a:t>文件操作</a:t>
-            </a:r>
-            <a:endParaRPr lang="zh-CN" altLang="en-US" cap="none" dirty="0">
-              <a:latin typeface="Century" panose="02040604050505020304" pitchFamily="18" charset="0"/>
-            </a:endParaRPr>
-          </a:p>
-        </p:txBody>
-      </p:sp>
-      <p:sp>
-        <p:nvSpPr>
-          <p:cNvPr id="3" name="内容占位符 2"/>
-          <p:cNvSpPr>
-            <a:spLocks noGrp="1"/>
-          </p:cNvSpPr>
-          <p:nvPr>
-            <p:ph sz="quarter" idx="13"/>
-          </p:nvPr>
-        </p:nvSpPr>
-        <p:spPr/>
-        <p:txBody>
-          <a:bodyPr/>
-          <a:lstStyle/>
-          <a:p>
-            <a:r>
-              <a:rPr lang="en-US" altLang="zh-CN" cap="none" dirty="0" err="1">
-                <a:latin typeface="Century" panose="02040604050505020304" pitchFamily="18" charset="0"/>
-              </a:rPr>
-              <a:t>i</a:t>
-            </a:r>
-            <a:r>
-              <a:rPr lang="en-US" altLang="zh-CN" cap="none" dirty="0" err="1" smtClean="0">
-                <a:latin typeface="Century" panose="02040604050505020304" pitchFamily="18" charset="0"/>
-              </a:rPr>
-              <a:t>nt</a:t>
-            </a:r>
-            <a:r>
-              <a:rPr lang="en-US" altLang="zh-CN" cap="none" dirty="0" smtClean="0">
-                <a:latin typeface="Century" panose="02040604050505020304" pitchFamily="18" charset="0"/>
-              </a:rPr>
-              <a:t> dup2(</a:t>
-            </a:r>
-            <a:r>
-              <a:rPr lang="en-US" altLang="zh-CN" cap="none" dirty="0" err="1" smtClean="0">
-                <a:latin typeface="Century" panose="02040604050505020304" pitchFamily="18" charset="0"/>
-              </a:rPr>
-              <a:t>int</a:t>
-            </a:r>
-            <a:r>
-              <a:rPr lang="en-US" altLang="zh-CN" cap="none" dirty="0" smtClean="0">
-                <a:latin typeface="Century" panose="02040604050505020304" pitchFamily="18" charset="0"/>
-              </a:rPr>
-              <a:t> </a:t>
-            </a:r>
-            <a:r>
-              <a:rPr lang="en-US" altLang="zh-CN" cap="none" dirty="0" err="1" smtClean="0">
-                <a:latin typeface="Century" panose="02040604050505020304" pitchFamily="18" charset="0"/>
-              </a:rPr>
-              <a:t>oldfd</a:t>
-            </a:r>
-            <a:r>
-              <a:rPr lang="en-US" altLang="zh-CN" cap="none" dirty="0" smtClean="0">
-                <a:latin typeface="Century" panose="02040604050505020304" pitchFamily="18" charset="0"/>
-              </a:rPr>
-              <a:t>, </a:t>
-            </a:r>
-            <a:r>
-              <a:rPr lang="en-US" altLang="zh-CN" cap="none" dirty="0" err="1" smtClean="0">
-                <a:latin typeface="Century" panose="02040604050505020304" pitchFamily="18" charset="0"/>
-              </a:rPr>
-              <a:t>int</a:t>
-            </a:r>
-            <a:r>
-              <a:rPr lang="en-US" altLang="zh-CN" cap="none" dirty="0" smtClean="0">
-                <a:latin typeface="Century" panose="02040604050505020304" pitchFamily="18" charset="0"/>
-              </a:rPr>
-              <a:t> </a:t>
-            </a:r>
-            <a:r>
-              <a:rPr lang="en-US" altLang="zh-CN" cap="none" dirty="0" err="1" smtClean="0">
-                <a:latin typeface="Century" panose="02040604050505020304" pitchFamily="18" charset="0"/>
-              </a:rPr>
-              <a:t>newfd</a:t>
-            </a:r>
-            <a:r>
-              <a:rPr lang="en-US" altLang="zh-CN" cap="none" dirty="0" smtClean="0">
-                <a:latin typeface="Century" panose="02040604050505020304" pitchFamily="18" charset="0"/>
-              </a:rPr>
-              <a:t>); </a:t>
-            </a:r>
-            <a:r>
-              <a:rPr lang="zh-CN" altLang="en-US" cap="none" dirty="0" smtClean="0">
-                <a:latin typeface="Century" panose="02040604050505020304" pitchFamily="18" charset="0"/>
-              </a:rPr>
-              <a:t>把</a:t>
-            </a:r>
-            <a:r>
-              <a:rPr lang="en-US" altLang="zh-CN" cap="none" dirty="0" err="1" smtClean="0">
-                <a:latin typeface="Century" panose="02040604050505020304" pitchFamily="18" charset="0"/>
-              </a:rPr>
-              <a:t>newfd</a:t>
-            </a:r>
-            <a:r>
-              <a:rPr lang="zh-CN" altLang="en-US" cap="none" dirty="0" smtClean="0">
-                <a:latin typeface="Century" panose="02040604050505020304" pitchFamily="18" charset="0"/>
-              </a:rPr>
-              <a:t>指向</a:t>
-            </a:r>
-            <a:r>
-              <a:rPr lang="en-US" altLang="zh-CN" cap="none" dirty="0" err="1" smtClean="0">
-                <a:latin typeface="Century" panose="02040604050505020304" pitchFamily="18" charset="0"/>
-              </a:rPr>
-              <a:t>oldfd</a:t>
-            </a:r>
-            <a:r>
-              <a:rPr lang="zh-CN" altLang="en-US" cap="none" dirty="0" smtClean="0">
-                <a:latin typeface="Century" panose="02040604050505020304" pitchFamily="18" charset="0"/>
-              </a:rPr>
-              <a:t>对应的“打开文件表”中的项，并给对应项的引用次数</a:t>
-            </a:r>
-            <a:r>
-              <a:rPr lang="en-US" altLang="zh-CN" cap="none" dirty="0" smtClean="0">
-                <a:latin typeface="Century" panose="02040604050505020304" pitchFamily="18" charset="0"/>
-              </a:rPr>
-              <a:t>+1</a:t>
-            </a:r>
-            <a:r>
-              <a:rPr lang="zh-CN" altLang="en-US" cap="none" dirty="0" smtClean="0">
-                <a:latin typeface="Century" panose="02040604050505020304" pitchFamily="18" charset="0"/>
-              </a:rPr>
-              <a:t>。</a:t>
-            </a:r>
-            <a:endParaRPr lang="en-US" altLang="zh-CN" cap="none" dirty="0" smtClean="0">
-              <a:latin typeface="Century" panose="02040604050505020304" pitchFamily="18" charset="0"/>
-            </a:endParaRPr>
-          </a:p>
-          <a:p>
-            <a:endParaRPr lang="en-US" altLang="zh-CN" cap="none" dirty="0">
-              <a:latin typeface="Century" panose="02040604050505020304" pitchFamily="18" charset="0"/>
-            </a:endParaRPr>
-          </a:p>
-          <a:p>
-            <a:r>
-              <a:rPr lang="zh-CN" altLang="en-US" cap="none" dirty="0" smtClean="0">
-                <a:latin typeface="Century" panose="02040604050505020304" pitchFamily="18" charset="0"/>
-              </a:rPr>
-              <a:t>成功则返回</a:t>
-            </a:r>
-            <a:r>
-              <a:rPr lang="en-US" altLang="zh-CN" cap="none" dirty="0" err="1" smtClean="0">
-                <a:latin typeface="Century" panose="02040604050505020304" pitchFamily="18" charset="0"/>
-              </a:rPr>
-              <a:t>newfd</a:t>
-            </a:r>
-            <a:r>
-              <a:rPr lang="zh-CN" altLang="en-US" cap="none" dirty="0" smtClean="0">
-                <a:latin typeface="Century" panose="02040604050505020304" pitchFamily="18" charset="0"/>
-              </a:rPr>
-              <a:t>，失败返回</a:t>
-            </a:r>
-            <a:r>
-              <a:rPr lang="en-US" altLang="zh-CN" cap="none" dirty="0" smtClean="0">
-                <a:latin typeface="Century" panose="02040604050505020304" pitchFamily="18" charset="0"/>
-              </a:rPr>
-              <a:t>-1</a:t>
-            </a:r>
-            <a:r>
-              <a:rPr lang="zh-CN" altLang="en-US" cap="none" dirty="0" smtClean="0">
-                <a:latin typeface="Century" panose="02040604050505020304" pitchFamily="18" charset="0"/>
-              </a:rPr>
-              <a:t>并设置</a:t>
-            </a:r>
-            <a:r>
-              <a:rPr lang="en-US" altLang="zh-CN" cap="none" dirty="0" err="1" smtClean="0">
-                <a:latin typeface="Century" panose="02040604050505020304" pitchFamily="18" charset="0"/>
-              </a:rPr>
-              <a:t>errno</a:t>
-            </a:r>
-            <a:r>
-              <a:rPr lang="zh-CN" altLang="en-US" cap="none" dirty="0" smtClean="0">
-                <a:latin typeface="Century" panose="02040604050505020304" pitchFamily="18" charset="0"/>
-              </a:rPr>
-              <a:t>。</a:t>
-            </a:r>
-            <a:endParaRPr lang="en-US" altLang="zh-CN" cap="none" dirty="0">
-              <a:latin typeface="Century" panose="02040604050505020304" pitchFamily="18" charset="0"/>
-            </a:endParaRPr>
-          </a:p>
-        </p:txBody>
-      </p:sp>
-    </p:spTree>
-    <p:extLst>
-      <p:ext uri="{BB962C8B-B14F-4D97-AF65-F5344CB8AC3E}">
-        <p14:creationId xmlns:p14="http://schemas.microsoft.com/office/powerpoint/2010/main" val="2123876615"/>
-      </p:ext>
-    </p:extLst>
-  </p:cSld>
-  <p:clrMapOvr>
-    <a:masterClrMapping/>
-  </p:clrMapOvr>
-  <p:timing>
-    <p:tnLst>
-      <p:par>
-        <p:cTn id="1" dur="indefinite" restart="never" nodeType="tmRoot"/>
-      </p:par>
-    </p:tnLst>
-  </p:timing>
-</p:sld>
-</file>
-
 <file path=ppt/slides/slide12.xml><?xml version="1.0" encoding="utf-8"?>
 <p:sld xmlns:a="http://schemas.openxmlformats.org/drawingml/2006/main" xmlns:r="http://schemas.openxmlformats.org/officeDocument/2006/relationships" xmlns:p="http://schemas.openxmlformats.org/presentationml/2006/main">
   <p:cSld>
@@ -6905,7 +7046,13 @@
               <a:rPr lang="en-US" altLang="zh-CN" cap="none" dirty="0" smtClean="0">
                 <a:latin typeface="Century" panose="02040604050505020304" pitchFamily="18" charset="0"/>
               </a:rPr>
-              <a:t>Linux RIO</a:t>
+              <a:t>Linux </a:t>
+            </a:r>
+            <a:r>
+              <a:rPr lang="zh-CN" altLang="en-US" cap="none" dirty="0" smtClean="0">
+                <a:latin typeface="Century" panose="02040604050505020304" pitchFamily="18" charset="0"/>
+              </a:rPr>
+              <a:t>文件操作</a:t>
             </a:r>
             <a:endParaRPr lang="zh-CN" altLang="en-US" cap="none" dirty="0">
               <a:latin typeface="Century" panose="02040604050505020304" pitchFamily="18" charset="0"/>
@@ -6923,138 +7070,332 @@
             <p:ph sz="quarter" idx="13"/>
           </p:nvPr>
         </p:nvSpPr>
-        <p:spPr/>
-        <p:txBody>
-          <a:bodyPr/>
+        <p:spPr>
+          <a:xfrm>
+            <a:off x="913773" y="2367092"/>
+            <a:ext cx="5255655" cy="3424107"/>
+          </a:xfrm>
+        </p:spPr>
+        <p:txBody>
+          <a:bodyPr>
+            <a:normAutofit fontScale="92500" lnSpcReduction="10000"/>
+          </a:bodyPr>
           <a:lstStyle/>
           <a:p>
             <a:r>
+              <a:rPr lang="en-US" altLang="zh-CN" b="1" cap="none" dirty="0">
+                <a:solidFill>
+                  <a:srgbClr val="502000"/>
+                </a:solidFill>
+                <a:latin typeface="Courier New" panose="02070309020205020404" pitchFamily="49" charset="0"/>
+                <a:cs typeface="Courier New" panose="02070309020205020404" pitchFamily="49" charset="0"/>
+              </a:rPr>
+              <a:t>DIR* </a:t>
+            </a:r>
+            <a:r>
+              <a:rPr lang="en-US" altLang="zh-CN" b="1" cap="none" dirty="0" err="1" smtClean="0">
+                <a:solidFill>
+                  <a:srgbClr val="502000"/>
+                </a:solidFill>
+                <a:latin typeface="Courier New" panose="02070309020205020404" pitchFamily="49" charset="0"/>
+                <a:cs typeface="Courier New" panose="02070309020205020404" pitchFamily="49" charset="0"/>
+              </a:rPr>
+              <a:t>opendir</a:t>
+            </a:r>
+            <a:r>
+              <a:rPr lang="en-US" altLang="zh-CN" b="1" cap="none" dirty="0" smtClean="0">
+                <a:solidFill>
+                  <a:srgbClr val="502000"/>
+                </a:solidFill>
+                <a:latin typeface="Courier New" panose="02070309020205020404" pitchFamily="49" charset="0"/>
+                <a:cs typeface="Courier New" panose="02070309020205020404" pitchFamily="49" charset="0"/>
+              </a:rPr>
+              <a:t>(</a:t>
+            </a:r>
+            <a:r>
+              <a:rPr lang="en-US" altLang="zh-CN" b="1" cap="none" dirty="0" err="1" smtClean="0">
+                <a:solidFill>
+                  <a:srgbClr val="502000"/>
+                </a:solidFill>
+                <a:latin typeface="Courier New" panose="02070309020205020404" pitchFamily="49" charset="0"/>
+                <a:cs typeface="Courier New" panose="02070309020205020404" pitchFamily="49" charset="0"/>
+              </a:rPr>
+              <a:t>const</a:t>
+            </a:r>
+            <a:r>
+              <a:rPr lang="en-US" altLang="zh-CN" b="1" cap="none" dirty="0" smtClean="0">
+                <a:solidFill>
+                  <a:srgbClr val="502000"/>
+                </a:solidFill>
+                <a:latin typeface="Courier New" panose="02070309020205020404" pitchFamily="49" charset="0"/>
+                <a:cs typeface="Courier New" panose="02070309020205020404" pitchFamily="49" charset="0"/>
+              </a:rPr>
+              <a:t> char *</a:t>
+            </a:r>
+            <a:r>
+              <a:rPr lang="en-US" altLang="zh-CN" i="1" cap="none" dirty="0">
+                <a:solidFill>
+                  <a:srgbClr val="006000"/>
+                </a:solidFill>
+                <a:latin typeface="Courier New" panose="02070309020205020404" pitchFamily="49" charset="0"/>
+                <a:cs typeface="Courier New" panose="02070309020205020404" pitchFamily="49" charset="0"/>
+              </a:rPr>
+              <a:t>name</a:t>
+            </a:r>
+            <a:r>
+              <a:rPr lang="en-US" altLang="zh-CN" b="1" cap="none" dirty="0" smtClean="0">
+                <a:solidFill>
+                  <a:srgbClr val="502000"/>
+                </a:solidFill>
+                <a:latin typeface="Courier New" panose="02070309020205020404" pitchFamily="49" charset="0"/>
+                <a:cs typeface="Courier New" panose="02070309020205020404" pitchFamily="49" charset="0"/>
+              </a:rPr>
+              <a:t>);</a:t>
+            </a:r>
+            <a:endParaRPr lang="en-US" altLang="zh-CN" b="1" cap="none" dirty="0">
+              <a:solidFill>
+                <a:srgbClr val="502000"/>
+              </a:solidFill>
+              <a:latin typeface="Courier New" panose="02070309020205020404" pitchFamily="49" charset="0"/>
+              <a:cs typeface="Courier New" panose="02070309020205020404" pitchFamily="49" charset="0"/>
+            </a:endParaRPr>
+          </a:p>
+          <a:p>
+            <a:r>
+              <a:rPr lang="zh-CN" altLang="en-US" cap="none" dirty="0" smtClean="0">
+                <a:latin typeface="Courier New" panose="02070309020205020404" pitchFamily="49" charset="0"/>
+                <a:cs typeface="Courier New" panose="02070309020205020404" pitchFamily="49" charset="0"/>
+              </a:rPr>
+              <a:t>返回一个指向目录流的指针。</a:t>
+            </a:r>
+            <a:endParaRPr lang="en-US" altLang="zh-CN" cap="none" dirty="0" smtClean="0">
+              <a:latin typeface="Courier New" panose="02070309020205020404" pitchFamily="49" charset="0"/>
+              <a:cs typeface="Courier New" panose="02070309020205020404" pitchFamily="49" charset="0"/>
+            </a:endParaRPr>
+          </a:p>
+          <a:p>
+            <a:r>
+              <a:rPr lang="en-US" altLang="zh-CN" b="1" cap="none" dirty="0" err="1">
+                <a:solidFill>
+                  <a:srgbClr val="502000"/>
+                </a:solidFill>
+                <a:latin typeface="Courier New" panose="02070309020205020404" pitchFamily="49" charset="0"/>
+                <a:cs typeface="Courier New" panose="02070309020205020404" pitchFamily="49" charset="0"/>
+              </a:rPr>
+              <a:t>s</a:t>
+            </a:r>
+            <a:r>
+              <a:rPr lang="en-US" altLang="zh-CN" b="1" cap="none" dirty="0" err="1" smtClean="0">
+                <a:solidFill>
+                  <a:srgbClr val="502000"/>
+                </a:solidFill>
+                <a:latin typeface="Courier New" panose="02070309020205020404" pitchFamily="49" charset="0"/>
+                <a:cs typeface="Courier New" panose="02070309020205020404" pitchFamily="49" charset="0"/>
+              </a:rPr>
+              <a:t>truct</a:t>
+            </a:r>
+            <a:r>
+              <a:rPr lang="en-US" altLang="zh-CN" b="1" cap="none" dirty="0" smtClean="0">
+                <a:solidFill>
+                  <a:srgbClr val="502000"/>
+                </a:solidFill>
+                <a:latin typeface="Courier New" panose="02070309020205020404" pitchFamily="49" charset="0"/>
+                <a:cs typeface="Courier New" panose="02070309020205020404" pitchFamily="49" charset="0"/>
+              </a:rPr>
+              <a:t> </a:t>
+            </a:r>
+            <a:r>
+              <a:rPr lang="en-US" altLang="zh-CN" b="1" cap="none" dirty="0" err="1" smtClean="0">
+                <a:solidFill>
+                  <a:srgbClr val="502000"/>
+                </a:solidFill>
+                <a:latin typeface="Courier New" panose="02070309020205020404" pitchFamily="49" charset="0"/>
+                <a:cs typeface="Courier New" panose="02070309020205020404" pitchFamily="49" charset="0"/>
+              </a:rPr>
+              <a:t>dirent</a:t>
+            </a:r>
+            <a:r>
+              <a:rPr lang="en-US" altLang="zh-CN" b="1" cap="none" dirty="0" smtClean="0">
+                <a:solidFill>
+                  <a:srgbClr val="502000"/>
+                </a:solidFill>
+                <a:latin typeface="Courier New" panose="02070309020205020404" pitchFamily="49" charset="0"/>
+                <a:cs typeface="Courier New" panose="02070309020205020404" pitchFamily="49" charset="0"/>
+              </a:rPr>
+              <a:t>* </a:t>
+            </a:r>
+            <a:r>
+              <a:rPr lang="en-US" altLang="zh-CN" b="1" cap="none" dirty="0" err="1" smtClean="0">
+                <a:solidFill>
+                  <a:srgbClr val="502000"/>
+                </a:solidFill>
+                <a:latin typeface="Courier New" panose="02070309020205020404" pitchFamily="49" charset="0"/>
+                <a:cs typeface="Courier New" panose="02070309020205020404" pitchFamily="49" charset="0"/>
+              </a:rPr>
+              <a:t>readdir</a:t>
+            </a:r>
+            <a:r>
+              <a:rPr lang="en-US" altLang="zh-CN" b="1" cap="none" dirty="0" smtClean="0">
+                <a:solidFill>
+                  <a:srgbClr val="502000"/>
+                </a:solidFill>
+                <a:latin typeface="Courier New" panose="02070309020205020404" pitchFamily="49" charset="0"/>
+                <a:cs typeface="Courier New" panose="02070309020205020404" pitchFamily="49" charset="0"/>
+              </a:rPr>
+              <a:t>(DIR *</a:t>
+            </a:r>
+            <a:r>
+              <a:rPr lang="en-US" altLang="zh-CN" i="1" cap="none" dirty="0" err="1">
+                <a:solidFill>
+                  <a:srgbClr val="006000"/>
+                </a:solidFill>
+                <a:latin typeface="Courier New" panose="02070309020205020404" pitchFamily="49" charset="0"/>
+                <a:cs typeface="Courier New" panose="02070309020205020404" pitchFamily="49" charset="0"/>
+              </a:rPr>
+              <a:t>dirp</a:t>
+            </a:r>
+            <a:r>
+              <a:rPr lang="en-US" altLang="zh-CN" b="1" cap="none" dirty="0" smtClean="0">
+                <a:solidFill>
+                  <a:srgbClr val="502000"/>
+                </a:solidFill>
+                <a:latin typeface="Courier New" panose="02070309020205020404" pitchFamily="49" charset="0"/>
+                <a:cs typeface="Courier New" panose="02070309020205020404" pitchFamily="49" charset="0"/>
+              </a:rPr>
+              <a:t>);</a:t>
+            </a:r>
+          </a:p>
+          <a:p>
+            <a:r>
+              <a:rPr lang="zh-CN" altLang="en-US" cap="none" dirty="0" smtClean="0">
+                <a:latin typeface="Courier New" panose="02070309020205020404" pitchFamily="49" charset="0"/>
+                <a:cs typeface="Courier New" panose="02070309020205020404" pitchFamily="49" charset="0"/>
+              </a:rPr>
+              <a:t>返回该目录流的下一个目录项的指针。</a:t>
+            </a:r>
+            <a:endParaRPr lang="en-US" altLang="zh-CN" cap="none" dirty="0" smtClean="0">
+              <a:latin typeface="Courier New" panose="02070309020205020404" pitchFamily="49" charset="0"/>
+              <a:cs typeface="Courier New" panose="02070309020205020404" pitchFamily="49" charset="0"/>
+            </a:endParaRPr>
+          </a:p>
+          <a:p>
+            <a:r>
+              <a:rPr lang="zh-CN" altLang="en-US" cap="none" dirty="0" smtClean="0">
+                <a:latin typeface="Courier New" panose="02070309020205020404" pitchFamily="49" charset="0"/>
+                <a:cs typeface="Courier New" panose="02070309020205020404" pitchFamily="49" charset="0"/>
+              </a:rPr>
+              <a:t>如果返回值为</a:t>
+            </a:r>
+            <a:r>
               <a:rPr lang="en-US" altLang="zh-CN" cap="none" dirty="0" smtClean="0">
-                <a:latin typeface="Century" panose="02040604050505020304" pitchFamily="18" charset="0"/>
-              </a:rPr>
-              <a:t>RIO</a:t>
-            </a:r>
-            <a:r>
-              <a:rPr lang="zh-CN" altLang="en-US" cap="none" dirty="0" smtClean="0">
-                <a:latin typeface="Century" panose="02040604050505020304" pitchFamily="18" charset="0"/>
-              </a:rPr>
-              <a:t>是对系统</a:t>
+                <a:latin typeface="Courier New" panose="02070309020205020404" pitchFamily="49" charset="0"/>
+                <a:cs typeface="Courier New" panose="02070309020205020404" pitchFamily="49" charset="0"/>
+              </a:rPr>
+              <a:t>NULL</a:t>
+            </a:r>
+            <a:r>
+              <a:rPr lang="zh-CN" altLang="en-US" cap="none" dirty="0" smtClean="0">
+                <a:latin typeface="Courier New" panose="02070309020205020404" pitchFamily="49" charset="0"/>
+                <a:cs typeface="Courier New" panose="02070309020205020404" pitchFamily="49" charset="0"/>
+              </a:rPr>
+              <a:t>且设置了</a:t>
+            </a:r>
+            <a:r>
+              <a:rPr lang="en-US" altLang="zh-CN" cap="none" dirty="0" err="1" smtClean="0">
+                <a:latin typeface="Courier New" panose="02070309020205020404" pitchFamily="49" charset="0"/>
+                <a:cs typeface="Courier New" panose="02070309020205020404" pitchFamily="49" charset="0"/>
+              </a:rPr>
+              <a:t>errno</a:t>
+            </a:r>
+            <a:r>
+              <a:rPr lang="zh-CN" altLang="en-US" cap="none" dirty="0" smtClean="0">
+                <a:latin typeface="Courier New" panose="02070309020205020404" pitchFamily="49" charset="0"/>
+                <a:cs typeface="Courier New" panose="02070309020205020404" pitchFamily="49" charset="0"/>
+              </a:rPr>
+              <a:t>，代表出错。</a:t>
+            </a:r>
+            <a:endParaRPr lang="en-US" altLang="zh-CN" cap="none" dirty="0" smtClean="0">
+              <a:latin typeface="Courier New" panose="02070309020205020404" pitchFamily="49" charset="0"/>
+              <a:cs typeface="Courier New" panose="02070309020205020404" pitchFamily="49" charset="0"/>
+            </a:endParaRPr>
+          </a:p>
+          <a:p>
+            <a:r>
+              <a:rPr lang="zh-CN" altLang="en-US" cap="none" dirty="0" smtClean="0">
+                <a:latin typeface="Courier New" panose="02070309020205020404" pitchFamily="49" charset="0"/>
+                <a:cs typeface="Courier New" panose="02070309020205020404" pitchFamily="49" charset="0"/>
+              </a:rPr>
+              <a:t>如果返回值为</a:t>
             </a:r>
             <a:r>
               <a:rPr lang="en-US" altLang="zh-CN" cap="none" dirty="0" smtClean="0">
-                <a:latin typeface="Century" panose="02040604050505020304" pitchFamily="18" charset="0"/>
-              </a:rPr>
-              <a:t>I/O</a:t>
-            </a:r>
-            <a:r>
-              <a:rPr lang="zh-CN" altLang="en-US" cap="none" dirty="0" smtClean="0">
-                <a:latin typeface="Century" panose="02040604050505020304" pitchFamily="18" charset="0"/>
-              </a:rPr>
-              <a:t>函数的包装，提供了字符文件</a:t>
-            </a:r>
-            <a:r>
-              <a:rPr lang="en-US" altLang="zh-CN" cap="none" dirty="0" smtClean="0">
-                <a:latin typeface="Century" panose="02040604050505020304" pitchFamily="18" charset="0"/>
-              </a:rPr>
-              <a:t>/</a:t>
-            </a:r>
-            <a:r>
-              <a:rPr lang="zh-CN" altLang="en-US" cap="none" dirty="0" smtClean="0">
-                <a:latin typeface="Century" panose="02040604050505020304" pitchFamily="18" charset="0"/>
-              </a:rPr>
-              <a:t>二进制文件的缓存</a:t>
-            </a:r>
-            <a:r>
-              <a:rPr lang="en-US" altLang="zh-CN" cap="none" dirty="0" smtClean="0">
-                <a:latin typeface="Century" panose="02040604050505020304" pitchFamily="18" charset="0"/>
-              </a:rPr>
-              <a:t>/</a:t>
-            </a:r>
-            <a:r>
-              <a:rPr lang="zh-CN" altLang="en-US" cap="none" dirty="0">
-                <a:latin typeface="Century" panose="02040604050505020304" pitchFamily="18" charset="0"/>
-              </a:rPr>
-              <a:t>无</a:t>
-            </a:r>
-            <a:r>
-              <a:rPr lang="zh-CN" altLang="en-US" cap="none" dirty="0" smtClean="0">
-                <a:latin typeface="Century" panose="02040604050505020304" pitchFamily="18" charset="0"/>
-              </a:rPr>
-              <a:t>缓存的读写函数。</a:t>
-            </a:r>
-            <a:endParaRPr lang="en-US" altLang="zh-CN" cap="none" dirty="0" smtClean="0">
-              <a:latin typeface="Century" panose="02040604050505020304" pitchFamily="18" charset="0"/>
+                <a:latin typeface="Courier New" panose="02070309020205020404" pitchFamily="49" charset="0"/>
+                <a:cs typeface="Courier New" panose="02070309020205020404" pitchFamily="49" charset="0"/>
+              </a:rPr>
+              <a:t>NULL</a:t>
+            </a:r>
+            <a:r>
+              <a:rPr lang="zh-CN" altLang="en-US" cap="none" dirty="0" smtClean="0">
+                <a:latin typeface="Courier New" panose="02070309020205020404" pitchFamily="49" charset="0"/>
+                <a:cs typeface="Courier New" panose="02070309020205020404" pitchFamily="49" charset="0"/>
+              </a:rPr>
+              <a:t>且没有设置</a:t>
+            </a:r>
+            <a:r>
+              <a:rPr lang="en-US" altLang="zh-CN" cap="none" dirty="0" err="1" smtClean="0">
+                <a:latin typeface="Courier New" panose="02070309020205020404" pitchFamily="49" charset="0"/>
+                <a:cs typeface="Courier New" panose="02070309020205020404" pitchFamily="49" charset="0"/>
+              </a:rPr>
+              <a:t>errno</a:t>
+            </a:r>
+            <a:r>
+              <a:rPr lang="zh-CN" altLang="en-US" cap="none" dirty="0" smtClean="0">
+                <a:latin typeface="Courier New" panose="02070309020205020404" pitchFamily="49" charset="0"/>
+                <a:cs typeface="Courier New" panose="02070309020205020404" pitchFamily="49" charset="0"/>
+              </a:rPr>
+              <a:t>，代表目录流结束。</a:t>
+            </a:r>
+            <a:endParaRPr lang="en-US" altLang="zh-CN" cap="none" dirty="0">
+              <a:latin typeface="Courier New" panose="02070309020205020404" pitchFamily="49" charset="0"/>
+              <a:cs typeface="Courier New" panose="02070309020205020404" pitchFamily="49" charset="0"/>
             </a:endParaRPr>
           </a:p>
           <a:p>
-            <a:endParaRPr lang="en-US" altLang="zh-CN" cap="none" dirty="0" smtClean="0">
-              <a:latin typeface="Century" panose="02040604050505020304" pitchFamily="18" charset="0"/>
+            <a:endParaRPr lang="en-US" altLang="zh-CN" cap="none" dirty="0">
+              <a:latin typeface="Courier New" panose="02070309020205020404" pitchFamily="49" charset="0"/>
+              <a:cs typeface="Courier New" panose="02070309020205020404" pitchFamily="49" charset="0"/>
             </a:endParaRPr>
           </a:p>
-          <a:p>
-            <a:r>
-              <a:rPr lang="zh-CN" altLang="en-US" cap="none" dirty="0" smtClean="0">
-                <a:latin typeface="Century" panose="02040604050505020304" pitchFamily="18" charset="0"/>
-              </a:rPr>
-              <a:t>无缓存版本的函数在系统</a:t>
-            </a:r>
-            <a:r>
-              <a:rPr lang="en-US" altLang="zh-CN" cap="none" dirty="0" smtClean="0">
-                <a:latin typeface="Century" panose="02040604050505020304" pitchFamily="18" charset="0"/>
-              </a:rPr>
-              <a:t>I/O</a:t>
-            </a:r>
-            <a:r>
-              <a:rPr lang="zh-CN" altLang="en-US" cap="none" dirty="0" smtClean="0">
-                <a:latin typeface="Century" panose="02040604050505020304" pitchFamily="18" charset="0"/>
-              </a:rPr>
-              <a:t>函数上增加了被打断后重启的功能。</a:t>
-            </a:r>
-            <a:endParaRPr lang="en-US" altLang="zh-CN" cap="none" dirty="0" smtClean="0">
-              <a:latin typeface="Century" panose="02040604050505020304" pitchFamily="18" charset="0"/>
-            </a:endParaRPr>
-          </a:p>
-          <a:p>
-            <a:r>
-              <a:rPr lang="zh-CN" altLang="en-US" cap="none" dirty="0" smtClean="0">
-                <a:latin typeface="Century" panose="02040604050505020304" pitchFamily="18" charset="0"/>
-              </a:rPr>
-              <a:t>缓存版本在无缓存版本上为每个文件描述符增加了一个缓冲区。在缓冲区空</a:t>
-            </a:r>
-            <a:r>
-              <a:rPr lang="en-US" altLang="zh-CN" cap="none" dirty="0" smtClean="0">
-                <a:latin typeface="Century" panose="02040604050505020304" pitchFamily="18" charset="0"/>
-              </a:rPr>
-              <a:t>/</a:t>
-            </a:r>
-            <a:r>
-              <a:rPr lang="zh-CN" altLang="en-US" cap="none" dirty="0" smtClean="0">
-                <a:latin typeface="Century" panose="02040604050505020304" pitchFamily="18" charset="0"/>
-              </a:rPr>
-              <a:t>充满之后再调用系统</a:t>
-            </a:r>
-            <a:r>
-              <a:rPr lang="en-US" altLang="zh-CN" cap="none" dirty="0" smtClean="0">
-                <a:latin typeface="Century" panose="02040604050505020304" pitchFamily="18" charset="0"/>
-              </a:rPr>
-              <a:t>I/O</a:t>
-            </a:r>
-            <a:r>
-              <a:rPr lang="zh-CN" altLang="en-US" cap="none" dirty="0" smtClean="0">
-                <a:latin typeface="Century" panose="02040604050505020304" pitchFamily="18" charset="0"/>
-              </a:rPr>
-              <a:t>函数，减少了系统调用，从而提高了效率。</a:t>
-            </a:r>
-            <a:endParaRPr lang="en-US" altLang="zh-CN" cap="none" dirty="0">
-              <a:latin typeface="Century" panose="02040604050505020304" pitchFamily="18" charset="0"/>
-            </a:endParaRPr>
-          </a:p>
-        </p:txBody>
-      </p:sp>
+        </p:txBody>
+      </p:sp>
+      <p:pic>
+        <p:nvPicPr>
+          <p:cNvPr id="6" name="图片 5"/>
+          <p:cNvPicPr>
+            <a:picLocks noChangeAspect="1"/>
+          </p:cNvPicPr>
+          <p:nvPr/>
+        </p:nvPicPr>
+        <p:blipFill>
+          <a:blip r:embed="rId2"/>
+          <a:stretch>
+            <a:fillRect/>
+          </a:stretch>
+        </p:blipFill>
+        <p:spPr>
+          <a:xfrm>
+            <a:off x="6169428" y="3894858"/>
+            <a:ext cx="5744377" cy="1247949"/>
+          </a:xfrm>
+          <a:prstGeom prst="rect">
+            <a:avLst/>
+          </a:prstGeom>
+        </p:spPr>
+      </p:pic>
     </p:spTree>
     <p:extLst>
       <p:ext uri="{BB962C8B-B14F-4D97-AF65-F5344CB8AC3E}">
-        <p14:creationId xmlns:p14="http://schemas.microsoft.com/office/powerpoint/2010/main" val="3556877508"/>
+        <p14:creationId xmlns:p14="http://schemas.microsoft.com/office/powerpoint/2010/main" val="2720074640"/>
       </p:ext>
     </p:extLst>
   </p:cSld>
@@ -7107,7 +7448,7 @@
               <a:rPr lang="en-US" altLang="zh-CN" cap="none" dirty="0" smtClean="0">
                 <a:latin typeface="Century" panose="02040604050505020304" pitchFamily="18" charset="0"/>
               </a:rPr>
-              <a:t>C  STDIO</a:t>
+              <a:t>Linux RIO</a:t>
             </a:r>
             <a:endParaRPr lang="zh-CN" altLang="en-US" cap="none" dirty="0">
               <a:latin typeface="Century" panose="02040604050505020304" pitchFamily="18" charset="0"/>
@@ -7131,12 +7472,6 @@
           <a:lstStyle/>
           <a:p>
             <a:r>
-              <a:rPr lang="zh-CN" altLang="en-US" cap="none" dirty="0" smtClean="0">
-                <a:latin typeface="Century" panose="02040604050505020304" pitchFamily="18" charset="0"/>
-              </a:rPr>
-              <a:t>和带缓冲版本的</a:t>
-            </a:r>
-            <a:r>
               <a:rPr lang="en-US" altLang="zh-CN" cap="none" dirty="0" smtClean="0">
                 <a:latin typeface="Century" panose="02040604050505020304" pitchFamily="18" charset="0"/>
               </a:rPr>
@@ -7146,178 +7481,114 @@
               <a:rPr lang="zh-CN" altLang="en-US" cap="none" dirty="0" smtClean="0">
                 <a:latin typeface="Century" panose="02040604050505020304" pitchFamily="18" charset="0"/>
               </a:rPr>
-              <a:t>相似，通过</a:t>
+              <a:t>是对系统</a:t>
             </a:r>
             <a:r>
               <a:rPr lang="en-US" altLang="zh-CN" cap="none" dirty="0" smtClean="0">
                 <a:latin typeface="Century" panose="02040604050505020304" pitchFamily="18" charset="0"/>
               </a:rPr>
-              <a:t>FILE</a:t>
-            </a:r>
-            <a:r>
-              <a:rPr lang="zh-CN" altLang="en-US" cap="none" dirty="0" smtClean="0">
-                <a:latin typeface="Century" panose="02040604050505020304" pitchFamily="18" charset="0"/>
-              </a:rPr>
-              <a:t>类型来表示一个打开的文件及其缓冲区。</a:t>
+              <a:t>I/O</a:t>
+            </a:r>
+            <a:r>
+              <a:rPr lang="zh-CN" altLang="en-US" cap="none" dirty="0" smtClean="0">
+                <a:latin typeface="Century" panose="02040604050505020304" pitchFamily="18" charset="0"/>
+              </a:rPr>
+              <a:t>函数的包装，提供了字符文件</a:t>
+            </a:r>
+            <a:r>
+              <a:rPr lang="en-US" altLang="zh-CN" cap="none" dirty="0" smtClean="0">
+                <a:latin typeface="Century" panose="02040604050505020304" pitchFamily="18" charset="0"/>
+              </a:rPr>
+              <a:t>/</a:t>
+            </a:r>
+            <a:r>
+              <a:rPr lang="zh-CN" altLang="en-US" cap="none" dirty="0" smtClean="0">
+                <a:latin typeface="Century" panose="02040604050505020304" pitchFamily="18" charset="0"/>
+              </a:rPr>
+              <a:t>二进制文件的缓存</a:t>
+            </a:r>
+            <a:r>
+              <a:rPr lang="en-US" altLang="zh-CN" cap="none" dirty="0" smtClean="0">
+                <a:latin typeface="Century" panose="02040604050505020304" pitchFamily="18" charset="0"/>
+              </a:rPr>
+              <a:t>/</a:t>
+            </a:r>
+            <a:r>
+              <a:rPr lang="zh-CN" altLang="en-US" cap="none" dirty="0">
+                <a:latin typeface="Century" panose="02040604050505020304" pitchFamily="18" charset="0"/>
+              </a:rPr>
+              <a:t>无</a:t>
+            </a:r>
+            <a:r>
+              <a:rPr lang="zh-CN" altLang="en-US" cap="none" dirty="0" smtClean="0">
+                <a:latin typeface="Century" panose="02040604050505020304" pitchFamily="18" charset="0"/>
+              </a:rPr>
+              <a:t>缓存的读写函数。</a:t>
             </a:r>
             <a:endParaRPr lang="en-US" altLang="zh-CN" cap="none" dirty="0" smtClean="0">
               <a:latin typeface="Century" panose="02040604050505020304" pitchFamily="18" charset="0"/>
             </a:endParaRPr>
           </a:p>
           <a:p>
-            <a:r>
-              <a:rPr lang="zh-CN" altLang="en-US" cap="none" dirty="0" smtClean="0">
-                <a:latin typeface="Century" panose="02040604050505020304" pitchFamily="18" charset="0"/>
-              </a:rPr>
-              <a:t>提供了</a:t>
-            </a:r>
-            <a:r>
-              <a:rPr lang="en-US" altLang="zh-CN" cap="none" dirty="0" err="1" smtClean="0">
-                <a:latin typeface="Century" panose="02040604050505020304" pitchFamily="18" charset="0"/>
-              </a:rPr>
-              <a:t>fscanf</a:t>
-            </a:r>
-            <a:r>
-              <a:rPr lang="zh-CN" altLang="en-US" cap="none" dirty="0" smtClean="0">
-                <a:latin typeface="Century" panose="02040604050505020304" pitchFamily="18" charset="0"/>
-              </a:rPr>
-              <a:t>、</a:t>
-            </a:r>
-            <a:r>
-              <a:rPr lang="en-US" altLang="zh-CN" cap="none" dirty="0" err="1" smtClean="0">
-                <a:latin typeface="Century" panose="02040604050505020304" pitchFamily="18" charset="0"/>
-              </a:rPr>
-              <a:t>fprintf</a:t>
-            </a:r>
-            <a:r>
-              <a:rPr lang="zh-CN" altLang="en-US" cap="none" dirty="0">
-                <a:latin typeface="Century" panose="02040604050505020304" pitchFamily="18" charset="0"/>
-              </a:rPr>
-              <a:t>、</a:t>
-            </a:r>
-            <a:r>
-              <a:rPr lang="en-US" altLang="zh-CN" cap="none" dirty="0" err="1" smtClean="0">
-                <a:latin typeface="Century" panose="02040604050505020304" pitchFamily="18" charset="0"/>
-              </a:rPr>
-              <a:t>fopen</a:t>
-            </a:r>
-            <a:r>
-              <a:rPr lang="zh-CN" altLang="en-US" cap="none" dirty="0" smtClean="0">
-                <a:latin typeface="Century" panose="02040604050505020304" pitchFamily="18" charset="0"/>
-              </a:rPr>
-              <a:t>、</a:t>
-            </a:r>
-            <a:r>
-              <a:rPr lang="en-US" altLang="zh-CN" cap="none" dirty="0" err="1" smtClean="0">
-                <a:latin typeface="Century" panose="02040604050505020304" pitchFamily="18" charset="0"/>
-              </a:rPr>
-              <a:t>freopen</a:t>
-            </a:r>
-            <a:r>
-              <a:rPr lang="zh-CN" altLang="en-US" cap="none" dirty="0" smtClean="0">
-                <a:latin typeface="Century" panose="02040604050505020304" pitchFamily="18" charset="0"/>
-              </a:rPr>
-              <a:t>、</a:t>
-            </a:r>
-            <a:r>
-              <a:rPr lang="en-US" altLang="zh-CN" cap="none" dirty="0" err="1" smtClean="0">
-                <a:latin typeface="Century" panose="02040604050505020304" pitchFamily="18" charset="0"/>
-              </a:rPr>
-              <a:t>fclose</a:t>
-            </a:r>
-            <a:r>
-              <a:rPr lang="zh-CN" altLang="en-US" cap="none" dirty="0" smtClean="0">
-                <a:latin typeface="Century" panose="02040604050505020304" pitchFamily="18" charset="0"/>
-              </a:rPr>
-              <a:t>、</a:t>
-            </a:r>
-            <a:r>
-              <a:rPr lang="en-US" altLang="zh-CN" cap="none" dirty="0" err="1" smtClean="0">
-                <a:latin typeface="Century" panose="02040604050505020304" pitchFamily="18" charset="0"/>
-              </a:rPr>
-              <a:t>fseek</a:t>
-            </a:r>
-            <a:r>
-              <a:rPr lang="en-US" altLang="zh-CN" cap="none" dirty="0" smtClean="0">
-                <a:latin typeface="Century" panose="02040604050505020304" pitchFamily="18" charset="0"/>
-              </a:rPr>
-              <a:t>……</a:t>
-            </a:r>
-          </a:p>
-          <a:p>
-            <a:r>
-              <a:rPr lang="zh-CN" altLang="en-US" cap="none" dirty="0" smtClean="0">
-                <a:latin typeface="Century" panose="02040604050505020304" pitchFamily="18" charset="0"/>
-              </a:rPr>
-              <a:t>一些限制：</a:t>
-            </a:r>
             <a:endParaRPr lang="en-US" altLang="zh-CN" cap="none" dirty="0" smtClean="0">
               <a:latin typeface="Century" panose="02040604050505020304" pitchFamily="18" charset="0"/>
             </a:endParaRPr>
           </a:p>
           <a:p>
-            <a:pPr lvl="1"/>
-            <a:r>
-              <a:rPr lang="zh-CN" altLang="en-US" cap="none" dirty="0" smtClean="0">
-                <a:latin typeface="Century" panose="02040604050505020304" pitchFamily="18" charset="0"/>
-              </a:rPr>
-              <a:t>在输出后输入，由于缓冲区的存在，在输入前文件操作指针并不指向我们希望的地址。所以需要通过</a:t>
-            </a:r>
-            <a:r>
-              <a:rPr lang="en-US" altLang="zh-CN" cap="none" dirty="0" err="1" smtClean="0">
-                <a:latin typeface="Century" panose="02040604050505020304" pitchFamily="18" charset="0"/>
-              </a:rPr>
-              <a:t>fflush</a:t>
-            </a:r>
-            <a:r>
-              <a:rPr lang="zh-CN" altLang="en-US" cap="none" dirty="0" smtClean="0">
-                <a:latin typeface="Century" panose="02040604050505020304" pitchFamily="18" charset="0"/>
-              </a:rPr>
-              <a:t>清空缓冲区，或者通过其他函数显式地设置文件操作指针，指定想要读取的位置。</a:t>
+            <a:r>
+              <a:rPr lang="zh-CN" altLang="en-US" cap="none" dirty="0" smtClean="0">
+                <a:latin typeface="Century" panose="02040604050505020304" pitchFamily="18" charset="0"/>
+              </a:rPr>
+              <a:t>无缓存版本的函数在系统</a:t>
+            </a:r>
+            <a:r>
+              <a:rPr lang="en-US" altLang="zh-CN" cap="none" dirty="0" smtClean="0">
+                <a:latin typeface="Century" panose="02040604050505020304" pitchFamily="18" charset="0"/>
+              </a:rPr>
+              <a:t>I/O</a:t>
+            </a:r>
+            <a:r>
+              <a:rPr lang="zh-CN" altLang="en-US" cap="none" dirty="0" smtClean="0">
+                <a:latin typeface="Century" panose="02040604050505020304" pitchFamily="18" charset="0"/>
+              </a:rPr>
+              <a:t>函数上增加了被打断后重启的功能。</a:t>
             </a:r>
             <a:endParaRPr lang="en-US" altLang="zh-CN" cap="none" dirty="0" smtClean="0">
               <a:latin typeface="Century" panose="02040604050505020304" pitchFamily="18" charset="0"/>
             </a:endParaRPr>
           </a:p>
           <a:p>
-            <a:pPr lvl="1"/>
-            <a:r>
-              <a:rPr lang="zh-CN" altLang="en-US" cap="none" dirty="0">
-                <a:latin typeface="Century" panose="02040604050505020304" pitchFamily="18" charset="0"/>
-              </a:rPr>
-              <a:t>在</a:t>
-            </a:r>
-            <a:r>
-              <a:rPr lang="zh-CN" altLang="en-US" cap="none" dirty="0" smtClean="0">
-                <a:latin typeface="Century" panose="02040604050505020304" pitchFamily="18" charset="0"/>
-              </a:rPr>
-              <a:t>输入后输出，同样由于缓冲区的存在，在输出前文件操作指针</a:t>
-            </a:r>
-            <a:r>
-              <a:rPr lang="zh-CN" altLang="en-US" cap="none" dirty="0" smtClean="0">
-                <a:latin typeface="Century" panose="02040604050505020304" pitchFamily="18" charset="0"/>
-              </a:rPr>
-              <a:t>并不</a:t>
-            </a:r>
-            <a:r>
-              <a:rPr lang="zh-CN" altLang="en-US" cap="none" dirty="0">
-                <a:latin typeface="Century" panose="02040604050505020304" pitchFamily="18" charset="0"/>
-              </a:rPr>
-              <a:t>指向</a:t>
-            </a:r>
-            <a:r>
-              <a:rPr lang="zh-CN" altLang="en-US" cap="none" dirty="0" smtClean="0">
-                <a:latin typeface="Century" panose="02040604050505020304" pitchFamily="18" charset="0"/>
-              </a:rPr>
-              <a:t>我们</a:t>
-            </a:r>
-            <a:r>
-              <a:rPr lang="zh-CN" altLang="en-US" cap="none" dirty="0" smtClean="0">
-                <a:latin typeface="Century" panose="02040604050505020304" pitchFamily="18" charset="0"/>
-              </a:rPr>
-              <a:t>希望的地址。但读入缓冲区不能被清空，所以只能通过显式地设置文件操作指针来避免无法预测的结果。</a:t>
-            </a:r>
-            <a:endParaRPr lang="en-US" altLang="zh-CN" cap="none" dirty="0" smtClean="0">
+            <a:r>
+              <a:rPr lang="zh-CN" altLang="en-US" cap="none" dirty="0" smtClean="0">
+                <a:latin typeface="Century" panose="02040604050505020304" pitchFamily="18" charset="0"/>
+              </a:rPr>
+              <a:t>缓存版本在无缓存版本上为每个文件描述符增加了一个缓冲区。在缓冲区空</a:t>
+            </a:r>
+            <a:r>
+              <a:rPr lang="en-US" altLang="zh-CN" cap="none" dirty="0" smtClean="0">
+                <a:latin typeface="Century" panose="02040604050505020304" pitchFamily="18" charset="0"/>
+              </a:rPr>
+              <a:t>/</a:t>
+            </a:r>
+            <a:r>
+              <a:rPr lang="zh-CN" altLang="en-US" cap="none" dirty="0" smtClean="0">
+                <a:latin typeface="Century" panose="02040604050505020304" pitchFamily="18" charset="0"/>
+              </a:rPr>
+              <a:t>充满之后再调用系统</a:t>
+            </a:r>
+            <a:r>
+              <a:rPr lang="en-US" altLang="zh-CN" cap="none" dirty="0" smtClean="0">
+                <a:latin typeface="Century" panose="02040604050505020304" pitchFamily="18" charset="0"/>
+              </a:rPr>
+              <a:t>I/O</a:t>
+            </a:r>
+            <a:r>
+              <a:rPr lang="zh-CN" altLang="en-US" cap="none" dirty="0" smtClean="0">
+                <a:latin typeface="Century" panose="02040604050505020304" pitchFamily="18" charset="0"/>
+              </a:rPr>
+              <a:t>函数，减少了系统调用，从而提高了效率。</a:t>
+            </a:r>
+            <a:endParaRPr lang="en-US" altLang="zh-CN" cap="none" dirty="0">
               <a:latin typeface="Century" panose="02040604050505020304" pitchFamily="18" charset="0"/>
             </a:endParaRPr>
           </a:p>
@@ -7326,7 +7597,7 @@
     </p:spTree>
     <p:extLst>
       <p:ext uri="{BB962C8B-B14F-4D97-AF65-F5344CB8AC3E}">
-        <p14:creationId xmlns:p14="http://schemas.microsoft.com/office/powerpoint/2010/main" val="3001370100"/>
+        <p14:creationId xmlns:p14="http://schemas.microsoft.com/office/powerpoint/2010/main" val="3556877508"/>
       </p:ext>
     </p:extLst>
   </p:cSld>
@@ -7376,6 +7647,266 @@
           <a:lstStyle/>
           <a:p>
             <a:r>
+              <a:rPr lang="en-US" altLang="zh-CN" cap="none" dirty="0" smtClean="0">
+                <a:latin typeface="Century" panose="02040604050505020304" pitchFamily="18" charset="0"/>
+              </a:rPr>
+              <a:t>C  STDIO</a:t>
+            </a:r>
+            <a:endParaRPr lang="zh-CN" altLang="en-US" cap="none" dirty="0">
+              <a:latin typeface="Century" panose="02040604050505020304" pitchFamily="18" charset="0"/>
+            </a:endParaRPr>
+          </a:p>
+        </p:txBody>
+      </p:sp>
+      <p:sp>
+        <p:nvSpPr>
+          <p:cNvPr id="3" name="内容占位符 2"/>
+          <p:cNvSpPr>
+            <a:spLocks noGrp="1"/>
+          </p:cNvSpPr>
+          <p:nvPr>
+            <p:ph sz="quarter" idx="13"/>
+          </p:nvPr>
+        </p:nvSpPr>
+        <p:spPr/>
+        <p:txBody>
+          <a:bodyPr/>
+          <a:lstStyle/>
+          <a:p>
+            <a:r>
+              <a:rPr lang="zh-CN" altLang="en-US" cap="none" dirty="0" smtClean="0">
+                <a:latin typeface="Century" panose="02040604050505020304" pitchFamily="18" charset="0"/>
+              </a:rPr>
+              <a:t>和带缓冲版本的</a:t>
+            </a:r>
+            <a:r>
+              <a:rPr lang="en-US" altLang="zh-CN" cap="none" dirty="0" smtClean="0">
+                <a:latin typeface="Century" panose="02040604050505020304" pitchFamily="18" charset="0"/>
+              </a:rPr>
+              <a:t>RIO</a:t>
+            </a:r>
+            <a:r>
+              <a:rPr lang="zh-CN" altLang="en-US" cap="none" dirty="0" smtClean="0">
+                <a:latin typeface="Century" panose="02040604050505020304" pitchFamily="18" charset="0"/>
+              </a:rPr>
+              <a:t>相似，通过</a:t>
+            </a:r>
+            <a:r>
+              <a:rPr lang="en-US" altLang="zh-CN" cap="none" dirty="0" smtClean="0">
+                <a:latin typeface="Century" panose="02040604050505020304" pitchFamily="18" charset="0"/>
+              </a:rPr>
+              <a:t>FILE</a:t>
+            </a:r>
+            <a:r>
+              <a:rPr lang="zh-CN" altLang="en-US" cap="none" dirty="0" smtClean="0">
+                <a:latin typeface="Century" panose="02040604050505020304" pitchFamily="18" charset="0"/>
+              </a:rPr>
+              <a:t>类型来表示一个打开的文件及其缓冲区。</a:t>
+            </a:r>
+            <a:endParaRPr lang="en-US" altLang="zh-CN" cap="none" dirty="0" smtClean="0">
+              <a:latin typeface="Century" panose="02040604050505020304" pitchFamily="18" charset="0"/>
+            </a:endParaRPr>
+          </a:p>
+          <a:p>
+            <a:r>
+              <a:rPr lang="zh-CN" altLang="en-US" cap="none" dirty="0" smtClean="0">
+                <a:latin typeface="Century" panose="02040604050505020304" pitchFamily="18" charset="0"/>
+              </a:rPr>
+              <a:t>提供了</a:t>
+            </a:r>
+            <a:r>
+              <a:rPr lang="en-US" altLang="zh-CN" cap="none" dirty="0" err="1" smtClean="0">
+                <a:latin typeface="Century" panose="02040604050505020304" pitchFamily="18" charset="0"/>
+              </a:rPr>
+              <a:t>fscanf</a:t>
+            </a:r>
+            <a:r>
+              <a:rPr lang="zh-CN" altLang="en-US" cap="none" dirty="0" smtClean="0">
+                <a:latin typeface="Century" panose="02040604050505020304" pitchFamily="18" charset="0"/>
+              </a:rPr>
+              <a:t>、</a:t>
+            </a:r>
+            <a:r>
+              <a:rPr lang="en-US" altLang="zh-CN" cap="none" dirty="0" err="1" smtClean="0">
+                <a:latin typeface="Century" panose="02040604050505020304" pitchFamily="18" charset="0"/>
+              </a:rPr>
+              <a:t>fprintf</a:t>
+            </a:r>
+            <a:r>
+              <a:rPr lang="zh-CN" altLang="en-US" cap="none" dirty="0">
+                <a:latin typeface="Century" panose="02040604050505020304" pitchFamily="18" charset="0"/>
+              </a:rPr>
+              <a:t>、</a:t>
+            </a:r>
+            <a:r>
+              <a:rPr lang="en-US" altLang="zh-CN" cap="none" dirty="0" err="1" smtClean="0">
+                <a:latin typeface="Century" panose="02040604050505020304" pitchFamily="18" charset="0"/>
+              </a:rPr>
+              <a:t>fopen</a:t>
+            </a:r>
+            <a:r>
+              <a:rPr lang="zh-CN" altLang="en-US" cap="none" dirty="0" smtClean="0">
+                <a:latin typeface="Century" panose="02040604050505020304" pitchFamily="18" charset="0"/>
+              </a:rPr>
+              <a:t>、</a:t>
+            </a:r>
+            <a:r>
+              <a:rPr lang="en-US" altLang="zh-CN" cap="none" dirty="0" err="1" smtClean="0">
+                <a:latin typeface="Century" panose="02040604050505020304" pitchFamily="18" charset="0"/>
+              </a:rPr>
+              <a:t>freopen</a:t>
+            </a:r>
+            <a:r>
+              <a:rPr lang="zh-CN" altLang="en-US" cap="none" dirty="0" smtClean="0">
+                <a:latin typeface="Century" panose="02040604050505020304" pitchFamily="18" charset="0"/>
+              </a:rPr>
+              <a:t>、</a:t>
+            </a:r>
+            <a:r>
+              <a:rPr lang="en-US" altLang="zh-CN" cap="none" dirty="0" err="1" smtClean="0">
+                <a:latin typeface="Century" panose="02040604050505020304" pitchFamily="18" charset="0"/>
+              </a:rPr>
+              <a:t>fclose</a:t>
+            </a:r>
+            <a:r>
+              <a:rPr lang="zh-CN" altLang="en-US" cap="none" dirty="0" smtClean="0">
+                <a:latin typeface="Century" panose="02040604050505020304" pitchFamily="18" charset="0"/>
+              </a:rPr>
+              <a:t>、</a:t>
+            </a:r>
+            <a:r>
+              <a:rPr lang="en-US" altLang="zh-CN" cap="none" dirty="0" err="1" smtClean="0">
+                <a:latin typeface="Century" panose="02040604050505020304" pitchFamily="18" charset="0"/>
+              </a:rPr>
+              <a:t>fseek</a:t>
+            </a:r>
+            <a:r>
+              <a:rPr lang="en-US" altLang="zh-CN" cap="none" dirty="0" smtClean="0">
+                <a:latin typeface="Century" panose="02040604050505020304" pitchFamily="18" charset="0"/>
+              </a:rPr>
+              <a:t>……</a:t>
+            </a:r>
+          </a:p>
+          <a:p>
+            <a:r>
+              <a:rPr lang="zh-CN" altLang="en-US" cap="none" dirty="0" smtClean="0">
+                <a:latin typeface="Century" panose="02040604050505020304" pitchFamily="18" charset="0"/>
+              </a:rPr>
+              <a:t>一些限制：</a:t>
+            </a:r>
+            <a:endParaRPr lang="en-US" altLang="zh-CN" cap="none" dirty="0" smtClean="0">
+              <a:latin typeface="Century" panose="02040604050505020304" pitchFamily="18" charset="0"/>
+            </a:endParaRPr>
+          </a:p>
+          <a:p>
+            <a:pPr lvl="1"/>
+            <a:r>
+              <a:rPr lang="zh-CN" altLang="en-US" cap="none" dirty="0" smtClean="0">
+                <a:latin typeface="Century" panose="02040604050505020304" pitchFamily="18" charset="0"/>
+              </a:rPr>
+              <a:t>在输出后输入，由于缓冲区的存在，在输入前文件操作指针并不指向我们希望的地址。所以需要通过</a:t>
+            </a:r>
+            <a:r>
+              <a:rPr lang="en-US" altLang="zh-CN" cap="none" dirty="0" err="1" smtClean="0">
+                <a:latin typeface="Century" panose="02040604050505020304" pitchFamily="18" charset="0"/>
+              </a:rPr>
+              <a:t>fflush</a:t>
+            </a:r>
+            <a:r>
+              <a:rPr lang="zh-CN" altLang="en-US" cap="none" dirty="0" smtClean="0">
+                <a:latin typeface="Century" panose="02040604050505020304" pitchFamily="18" charset="0"/>
+              </a:rPr>
+              <a:t>清空缓冲区，或者通过其他函数显式地设置文件操作指针，指定想要读取的位置。</a:t>
+            </a:r>
+            <a:endParaRPr lang="en-US" altLang="zh-CN" cap="none" dirty="0" smtClean="0">
+              <a:latin typeface="Century" panose="02040604050505020304" pitchFamily="18" charset="0"/>
+            </a:endParaRPr>
+          </a:p>
+          <a:p>
+            <a:pPr lvl="1"/>
+            <a:r>
+              <a:rPr lang="zh-CN" altLang="en-US" cap="none" dirty="0">
+                <a:latin typeface="Century" panose="02040604050505020304" pitchFamily="18" charset="0"/>
+              </a:rPr>
+              <a:t>在</a:t>
+            </a:r>
+            <a:r>
+              <a:rPr lang="zh-CN" altLang="en-US" cap="none" dirty="0" smtClean="0">
+                <a:latin typeface="Century" panose="02040604050505020304" pitchFamily="18" charset="0"/>
+              </a:rPr>
+              <a:t>输入后输出，同样由于缓冲区的存在，在输出前文件操作指针并不</a:t>
+            </a:r>
+            <a:r>
+              <a:rPr lang="zh-CN" altLang="en-US" cap="none" dirty="0">
+                <a:latin typeface="Century" panose="02040604050505020304" pitchFamily="18" charset="0"/>
+              </a:rPr>
+              <a:t>指向</a:t>
+            </a:r>
+            <a:r>
+              <a:rPr lang="zh-CN" altLang="en-US" cap="none" dirty="0" smtClean="0">
+                <a:latin typeface="Century" panose="02040604050505020304" pitchFamily="18" charset="0"/>
+              </a:rPr>
+              <a:t>我们希望的地址。但读入缓冲区不能被清空，所以只能通过显式地设置文件操作指针来避免无法预测的结果。</a:t>
+            </a:r>
+            <a:endParaRPr lang="en-US" altLang="zh-CN" cap="none" dirty="0" smtClean="0">
+              <a:latin typeface="Century" panose="02040604050505020304" pitchFamily="18" charset="0"/>
+            </a:endParaRPr>
+          </a:p>
+        </p:txBody>
+      </p:sp>
+    </p:spTree>
+    <p:extLst>
+      <p:ext uri="{BB962C8B-B14F-4D97-AF65-F5344CB8AC3E}">
+        <p14:creationId xmlns:p14="http://schemas.microsoft.com/office/powerpoint/2010/main" val="3001370100"/>
+      </p:ext>
+    </p:extLst>
+  </p:cSld>
+  <p:clrMapOvr>
+    <a:masterClrMapping/>
+  </p:clrMapOvr>
+  <p:timing>
+    <p:tnLst>
+      <p:par>
+        <p:cTn id="1" dur="indefinite" restart="never" nodeType="tmRoot"/>
+      </p:par>
+    </p:tnLst>
+  </p:timing>
+</p:sld>
+</file>
+
+<file path=ppt/slides/slide15.xml><?xml version="1.0" encoding="utf-8"?>
+<p:sld xmlns:a="http://schemas.openxmlformats.org/drawingml/2006/main" xmlns:r="http://schemas.openxmlformats.org/officeDocument/2006/relationships" xmlns:p="http://schemas.openxmlformats.org/presentationml/2006/main">
+  <p:cSld>
+    <p:spTree>
+      <p:nvGrpSpPr>
+        <p:cNvPr id="1" name=""/>
+        <p:cNvGrpSpPr/>
+        <p:nvPr/>
+      </p:nvGrpSpPr>
+      <p:grpSpPr>
+        <a:xfrm>
+          <a:off x="0" y="0"/>
+          <a:ext cx="0" cy="0"/>
+          <a:chOff x="0" y="0"/>
+          <a:chExt cx="0" cy="0"/>
+        </a:xfrm>
+      </p:grpSpPr>
+      <p:sp>
+        <p:nvSpPr>
+          <p:cNvPr id="2" name="标题 1"/>
+          <p:cNvSpPr>
+            <a:spLocks noGrp="1"/>
+          </p:cNvSpPr>
+          <p:nvPr>
+            <p:ph type="title"/>
+          </p:nvPr>
+        </p:nvSpPr>
+        <p:spPr/>
+        <p:txBody>
+          <a:bodyPr/>
+          <a:lstStyle/>
+          <a:p>
+            <a:r>
               <a:rPr lang="zh-CN" altLang="en-US" cap="none" dirty="0" smtClean="0">
                 <a:latin typeface="Century" panose="02040604050505020304" pitchFamily="18" charset="0"/>
               </a:rPr>
@@ -7616,13 +8147,7 @@
               <a:rPr lang="zh-CN" altLang="en-US" cap="none" dirty="0" smtClean="0">
                 <a:latin typeface="Century" panose="02040604050505020304" pitchFamily="18" charset="0"/>
               </a:rPr>
-              <a:t>中</a:t>
-            </a:r>
-            <a:r>
-              <a:rPr lang="zh-CN" altLang="en-US" cap="none" dirty="0" smtClean="0">
-                <a:latin typeface="Century" panose="02040604050505020304" pitchFamily="18" charset="0"/>
-              </a:rPr>
-              <a:t>企图多次关闭</a:t>
+              <a:t>中企图多次关闭</a:t>
             </a:r>
             <a:r>
               <a:rPr lang="zh-CN" altLang="en-US" cap="none" dirty="0">
@@ -7634,13 +8159,7 @@
               <a:rPr lang="zh-CN" altLang="en-US" cap="none" dirty="0" smtClean="0">
                 <a:latin typeface="Century" panose="02040604050505020304" pitchFamily="18" charset="0"/>
               </a:rPr>
-              <a:t>个文件</a:t>
-            </a:r>
-            <a:r>
-              <a:rPr lang="zh-CN" altLang="en-US" cap="none" dirty="0" smtClean="0">
-                <a:latin typeface="Century" panose="02040604050505020304" pitchFamily="18" charset="0"/>
-              </a:rPr>
-              <a:t>可能是毁灭性的。</a:t>
+              <a:t>个文件可能是毁灭性的。</a:t>
             </a:r>
             <a:endParaRPr lang="en-US" altLang="zh-CN" cap="none" dirty="0">
               <a:latin typeface="Century" panose="02040604050505020304" pitchFamily="18" charset="0"/>
@@ -7716,7 +8235,7 @@
 </p:sld>
 </file>
 
-<file path=ppt/slides/slide15.xml><?xml version="1.0" encoding="utf-8"?>
+<file path=ppt/slides/slide16.xml><?xml version="1.0" encoding="utf-8"?>
 <p:sld xmlns:a="http://schemas.openxmlformats.org/drawingml/2006/main" xmlns:r="http://schemas.openxmlformats.org/officeDocument/2006/relationships" xmlns:p="http://schemas.openxmlformats.org/presentationml/2006/main">
   <p:cSld>
     <p:spTree>
@@ -7989,7 +8508,7 @@
 </p:sld>
 </file>
 
-<file path=ppt/slides/slide16.xml><?xml version="1.0" encoding="utf-8"?>
+<file path=ppt/slides/slide17.xml><?xml version="1.0" encoding="utf-8"?>
 <p:sld xmlns:a="http://schemas.openxmlformats.org/drawingml/2006/main" xmlns:r="http://schemas.openxmlformats.org/officeDocument/2006/relationships" xmlns:p="http://schemas.openxmlformats.org/presentationml/2006/main">
   <p:cSld>
     <p:spTree>
@@ -8262,7 +8781,7 @@
 </p:sld>
 </file>
 
-<file path=ppt/slides/slide17.xml><?xml version="1.0" encoding="utf-8"?>
+<file path=ppt/slides/slide18.xml><?xml version="1.0" encoding="utf-8"?>
 <p:sld xmlns:a="http://schemas.openxmlformats.org/drawingml/2006/main" xmlns:r="http://schemas.openxmlformats.org/officeDocument/2006/relationships" xmlns:p="http://schemas.openxmlformats.org/presentationml/2006/main">
   <p:cSld>
     <p:spTree>
@@ -8423,283 +8942,6 @@
     <p:extLst>
       <p:ext uri="{BB962C8B-B14F-4D97-AF65-F5344CB8AC3E}">
         <p14:creationId xmlns:p14="http://schemas.microsoft.com/office/powerpoint/2010/main" val="299300703"/>
-      </p:ext>
-    </p:extLst>
-  </p:cSld>
-  <p:clrMapOvr>
-    <a:masterClrMapping/>
-  </p:clrMapOvr>
-  <p:timing>
-    <p:tnLst>
-      <p:par>
-        <p:cTn id="1" dur="indefinite" restart="never" nodeType="tmRoot">
-          <p:childTnLst>
-            <p:seq concurrent="1" nextAc="seek">
-              <p:cTn id="2" dur="indefinite" nodeType="mainSeq">
-                <p:childTnLst>
-                  <p:par>
-                    <p:cTn id="3" fill="hold">
-                      <p:stCondLst>
-                        <p:cond delay="indefinite"/>
-                      </p:stCondLst>
-                      <p:childTnLst>
-                        <p:par>
-                          <p:cTn id="4" fill="hold">
-                            <p:stCondLst>
-                              <p:cond delay="0"/>
-                            </p:stCondLst>
-                            <p:childTnLst>
-                              <p:par>
-                                <p:cTn id="5" presetID="1" presetClass="entr" presetSubtype="0" fill="hold" grpId="0" nodeType="clickEffect">
-                                  <p:stCondLst>
-                                    <p:cond delay="0"/>
-                                  </p:stCondLst>
-                                  <p:childTnLst>
-                                    <p:set>
-                                      <p:cBhvr>
-                                        <p:cTn id="6" dur="1" fill="hold">
-                                          <p:stCondLst>
-                                            <p:cond delay="0"/>
-                                          </p:stCondLst>
-                                        </p:cTn>
-                                        <p:tgtEl>
-                                          <p:spTgt spid="8"/>
-                                        </p:tgtEl>
-                                        <p:attrNameLst>
-                                          <p:attrName>style.visibility</p:attrName>
-                                        </p:attrNameLst>
-                                      </p:cBhvr>
-                                      <p:to>
-                                        <p:strVal val="visible"/>
-                                      </p:to>
-                                    </p:set>
-                                  </p:childTnLst>
-                                </p:cTn>
-                              </p:par>
-                            </p:childTnLst>
-                          </p:cTn>
-                        </p:par>
-                      </p:childTnLst>
-                    </p:cTn>
-                  </p:par>
-                </p:childTnLst>
-              </p:cTn>
-              <p:prevCondLst>
-                <p:cond evt="onPrev" delay="0">
-                  <p:tgtEl>
-                    <p:sldTgt/>
-                  </p:tgtEl>
-                </p:cond>
-              </p:prevCondLst>
-              <p:nextCondLst>
-                <p:cond evt="onNext" delay="0">
-                  <p:tgtEl>
-                    <p:sldTgt/>
-                  </p:tgtEl>
-                </p:cond>
-              </p:nextCondLst>
-            </p:seq>
-          </p:childTnLst>
-        </p:cTn>
-      </p:par>
-    </p:tnLst>
-    <p:bldLst>
-      <p:bldP spid="8" grpId="0"/>
-    </p:bldLst>
-  </p:timing>
-</p:sld>
-</file>
-
-<file path=ppt/slides/slide18.xml><?xml version="1.0" encoding="utf-8"?>
-<p:sld xmlns:a="http://schemas.openxmlformats.org/drawingml/2006/main" xmlns:r="http://schemas.openxmlformats.org/officeDocument/2006/relationships" xmlns:p="http://schemas.openxmlformats.org/presentationml/2006/main">
-  <p:cSld>
-    <p:spTree>
-      <p:nvGrpSpPr>
-        <p:cNvPr id="1" name=""/>
-        <p:cNvGrpSpPr/>
-        <p:nvPr/>
-      </p:nvGrpSpPr>
-      <p:grpSpPr>
-        <a:xfrm>
-          <a:off x="0" y="0"/>
-          <a:ext cx="0" cy="0"/>
-          <a:chOff x="0" y="0"/>
-          <a:chExt cx="0" cy="0"/>
-        </a:xfrm>
-      </p:grpSpPr>
-      <p:sp>
-        <p:nvSpPr>
-          <p:cNvPr id="2" name="标题 1"/>
-          <p:cNvSpPr>
-            <a:spLocks noGrp="1"/>
-          </p:cNvSpPr>
-          <p:nvPr>
-            <p:ph type="title"/>
-          </p:nvPr>
-        </p:nvSpPr>
-        <p:spPr/>
-        <p:txBody>
-          <a:bodyPr/>
-          <a:lstStyle/>
-          <a:p>
-            <a:r>
-              <a:rPr lang="zh-CN" altLang="en-US" cap="none" dirty="0" smtClean="0">
-                <a:latin typeface="Century" panose="02040604050505020304" pitchFamily="18" charset="0"/>
-              </a:rPr>
-              <a:t>简单题目</a:t>
-            </a:r>
-            <a:r>
-              <a:rPr lang="en-US" altLang="zh-CN" cap="none" dirty="0" smtClean="0">
-                <a:latin typeface="Century" panose="02040604050505020304" pitchFamily="18" charset="0"/>
-              </a:rPr>
-              <a:t>D</a:t>
-            </a:r>
-            <a:endParaRPr lang="zh-CN" altLang="en-US" cap="none" dirty="0">
-              <a:latin typeface="Century" panose="02040604050505020304" pitchFamily="18" charset="0"/>
-            </a:endParaRPr>
-          </a:p>
-        </p:txBody>
-      </p:sp>
-      <p:sp>
-        <p:nvSpPr>
-          <p:cNvPr id="4" name="内容占位符 3"/>
-          <p:cNvSpPr>
-            <a:spLocks noGrp="1"/>
-          </p:cNvSpPr>
-          <p:nvPr>
-            <p:ph sz="quarter" idx="14"/>
-          </p:nvPr>
-        </p:nvSpPr>
-        <p:spPr/>
-        <p:txBody>
-          <a:bodyPr/>
-          <a:lstStyle/>
-          <a:p>
-            <a:r>
-              <a:rPr lang="zh-CN" altLang="en-US" dirty="0"/>
-              <a:t>运行这个</a:t>
-            </a:r>
-            <a:r>
-              <a:rPr lang="zh-CN" altLang="en-US" dirty="0" smtClean="0"/>
-              <a:t>程序会发生什么？</a:t>
-            </a:r>
-            <a:endParaRPr lang="en-US" altLang="zh-CN" dirty="0" smtClean="0"/>
-          </a:p>
-          <a:p>
-            <a:r>
-              <a:rPr lang="zh-CN" altLang="en-US" dirty="0" smtClean="0"/>
-              <a:t>假设</a:t>
-            </a:r>
-            <a:r>
-              <a:rPr lang="en-US" altLang="zh-CN" cap="none" dirty="0" smtClean="0">
-                <a:latin typeface="Courier New" panose="02070309020205020404" pitchFamily="49" charset="0"/>
-                <a:cs typeface="Courier New" panose="02070309020205020404" pitchFamily="49" charset="0"/>
-              </a:rPr>
-              <a:t>out.txt</a:t>
-            </a:r>
-            <a:r>
-              <a:rPr lang="zh-CN" altLang="en-US" cap="none" dirty="0" smtClean="0">
-                <a:latin typeface="Courier New" panose="02070309020205020404" pitchFamily="49" charset="0"/>
-                <a:cs typeface="Courier New" panose="02070309020205020404" pitchFamily="49" charset="0"/>
-              </a:rPr>
-              <a:t>足够大，不会出现</a:t>
-            </a:r>
-            <a:r>
-              <a:rPr lang="en-US" altLang="zh-CN" cap="none" dirty="0" smtClean="0">
-                <a:latin typeface="Courier New" panose="02070309020205020404" pitchFamily="49" charset="0"/>
-                <a:cs typeface="Courier New" panose="02070309020205020404" pitchFamily="49" charset="0"/>
-              </a:rPr>
-              <a:t>EOF</a:t>
-            </a:r>
-            <a:r>
-              <a:rPr lang="zh-CN" altLang="en-US" cap="none" dirty="0" smtClean="0">
-                <a:latin typeface="Courier New" panose="02070309020205020404" pitchFamily="49" charset="0"/>
-                <a:cs typeface="Courier New" panose="02070309020205020404" pitchFamily="49" charset="0"/>
-              </a:rPr>
-              <a:t>错误。</a:t>
-            </a:r>
-            <a:endParaRPr lang="zh-CN" altLang="en-US" cap="none" dirty="0">
-              <a:latin typeface="Courier New" panose="02070309020205020404" pitchFamily="49" charset="0"/>
-              <a:cs typeface="Courier New" panose="02070309020205020404" pitchFamily="49" charset="0"/>
-            </a:endParaRPr>
-          </a:p>
-        </p:txBody>
-      </p:sp>
-      <p:pic>
-        <p:nvPicPr>
-          <p:cNvPr id="6" name="内容占位符 5"/>
-          <p:cNvPicPr>
-            <a:picLocks noGrp="1" noChangeAspect="1"/>
-          </p:cNvPicPr>
-          <p:nvPr>
-            <p:ph sz="quarter" idx="13"/>
-          </p:nvPr>
-        </p:nvPicPr>
-        <p:blipFill>
-          <a:blip r:embed="rId2"/>
-          <a:stretch>
-            <a:fillRect/>
-          </a:stretch>
-        </p:blipFill>
-        <p:spPr>
-          <a:xfrm>
-            <a:off x="1088967" y="2214694"/>
-            <a:ext cx="4131425" cy="4061598"/>
-          </a:xfrm>
-          <a:prstGeom prst="rect">
-            <a:avLst/>
-          </a:prstGeom>
-        </p:spPr>
-      </p:pic>
-      <p:sp>
-        <p:nvSpPr>
-          <p:cNvPr id="8" name="文本框 7"/>
-          <p:cNvSpPr txBox="1"/>
-          <p:nvPr/>
-        </p:nvSpPr>
-        <p:spPr>
-          <a:xfrm>
-            <a:off x="6395224" y="3876161"/>
-            <a:ext cx="4466064" cy="646331"/>
-          </a:xfrm>
-          <a:prstGeom prst="rect">
-            <a:avLst/>
-          </a:prstGeom>
-          <a:noFill/>
-        </p:spPr>
-        <p:txBody>
-          <a:bodyPr wrap="square" rtlCol="0">
-            <a:spAutoFit/>
-          </a:bodyPr>
-          <a:lstStyle/>
-          <a:p>
-            <a:r>
-              <a:rPr lang="zh-CN" altLang="en-US" dirty="0"/>
-              <a:t>把</a:t>
-            </a:r>
-            <a:r>
-              <a:rPr lang="zh-CN" altLang="en-US" dirty="0" smtClean="0"/>
-              <a:t>前三个字节覆盖为</a:t>
-            </a:r>
-            <a:r>
-              <a:rPr lang="en-US" altLang="zh-CN" dirty="0" smtClean="0"/>
-              <a:t>”abc”，再把4～6个字节覆盖为”def”。</a:t>
-            </a:r>
-            <a:endParaRPr lang="zh-CN" altLang="en-US" sz="1800" kern="1200" dirty="0">
-              <a:solidFill>
-                <a:schemeClr val="tx1"/>
-              </a:solidFill>
-              <a:latin typeface="+mn-lt"/>
-              <a:ea typeface="+mn-ea"/>
-              <a:cs typeface="+mn-cs"/>
-            </a:endParaRPr>
-          </a:p>
-        </p:txBody>
-      </p:sp>
-    </p:spTree>
-    <p:extLst>
-      <p:ext uri="{BB962C8B-B14F-4D97-AF65-F5344CB8AC3E}">
-        <p14:creationId xmlns:p14="http://schemas.microsoft.com/office/powerpoint/2010/main" val="3056071548"/>
       </p:ext>
     </p:extLst>
   </p:cSld>
@@ -8823,7 +9065,13 @@
               <a:rPr lang="zh-CN" altLang="en-US" cap="none" dirty="0" smtClean="0">
                 <a:latin typeface="Century" panose="02040604050505020304" pitchFamily="18" charset="0"/>
               </a:rPr>
-              <a:t>如果还有时间？</a:t>
+              <a:t>简单题目</a:t>
+            </a:r>
+            <a:r>
+              <a:rPr lang="en-US" altLang="zh-CN" cap="none" dirty="0" smtClean="0">
+                <a:latin typeface="Century" panose="02040604050505020304" pitchFamily="18" charset="0"/>
+              </a:rPr>
+              <a:t>D</a:t>
             </a:r>
             <a:endParaRPr lang="zh-CN" altLang="en-US" cap="none" dirty="0">
               <a:latin typeface="Century" panose="02040604050505020304" pitchFamily="18" charset="0"/>
@@ -8833,12 +9081,12 @@
       </p:sp>
       <p:sp>
         <p:nvSpPr>
-          <p:cNvPr id="3" name="内容占位符 2"/>
-          <p:cNvSpPr>
-            <a:spLocks noGrp="1"/>
-          </p:cNvSpPr>
-          <p:nvPr>
-            <p:ph sz="quarter" idx="13"/>
+          <p:cNvPr id="4" name="内容占位符 3"/>
+          <p:cNvSpPr>
+            <a:spLocks noGrp="1"/>
+          </p:cNvSpPr>
+          <p:nvPr>
+            <p:ph sz="quarter" idx="14"/>
           </p:nvPr>
         </p:nvSpPr>
         <p:spPr/>
@@ -8847,137 +9095,122 @@
           <a:lstStyle/>
           <a:p>
             <a:r>
+              <a:rPr lang="zh-CN" altLang="en-US" dirty="0"/>
+              <a:t>运行这个</a:t>
+            </a:r>
+            <a:r>
+              <a:rPr lang="zh-CN" altLang="en-US" dirty="0" smtClean="0"/>
+              <a:t>程序会发生什么？</a:t>
+            </a:r>
+            <a:endParaRPr lang="en-US" altLang="zh-CN" dirty="0" smtClean="0"/>
+          </a:p>
+          <a:p>
+            <a:r>
+              <a:rPr lang="zh-CN" altLang="en-US" dirty="0" smtClean="0"/>
+              <a:t>假设</a:t>
+            </a:r>
+            <a:r>
               <a:rPr lang="en-US" altLang="zh-CN" cap="none" dirty="0" smtClean="0">
-                <a:latin typeface="Century" panose="02040604050505020304" pitchFamily="18" charset="0"/>
-              </a:rPr>
-              <a:t>Linux</a:t>
-            </a:r>
-            <a:r>
-              <a:rPr lang="zh-CN" altLang="en-US" cap="none" dirty="0" smtClean="0">
-                <a:latin typeface="Century" panose="02040604050505020304" pitchFamily="18" charset="0"/>
-              </a:rPr>
-              <a:t>下的软硬链接？</a:t>
-            </a:r>
-            <a:endParaRPr lang="en-US" altLang="zh-CN" cap="none" dirty="0" smtClean="0">
-              <a:latin typeface="Century" panose="02040604050505020304" pitchFamily="18" charset="0"/>
+                <a:latin typeface="Courier New" panose="02070309020205020404" pitchFamily="49" charset="0"/>
+                <a:cs typeface="Courier New" panose="02070309020205020404" pitchFamily="49" charset="0"/>
+              </a:rPr>
+              <a:t>out.txt</a:t>
+            </a:r>
+            <a:r>
+              <a:rPr lang="zh-CN" altLang="en-US" cap="none" dirty="0" smtClean="0">
+                <a:latin typeface="Courier New" panose="02070309020205020404" pitchFamily="49" charset="0"/>
+                <a:cs typeface="Courier New" panose="02070309020205020404" pitchFamily="49" charset="0"/>
+              </a:rPr>
+              <a:t>足够大，不会出现</a:t>
+            </a:r>
+            <a:r>
+              <a:rPr lang="en-US" altLang="zh-CN" cap="none" dirty="0" smtClean="0">
+                <a:latin typeface="Courier New" panose="02070309020205020404" pitchFamily="49" charset="0"/>
+                <a:cs typeface="Courier New" panose="02070309020205020404" pitchFamily="49" charset="0"/>
+              </a:rPr>
+              <a:t>EOF</a:t>
+            </a:r>
+            <a:r>
+              <a:rPr lang="zh-CN" altLang="en-US" cap="none" dirty="0" smtClean="0">
+                <a:latin typeface="Courier New" panose="02070309020205020404" pitchFamily="49" charset="0"/>
+                <a:cs typeface="Courier New" panose="02070309020205020404" pitchFamily="49" charset="0"/>
+              </a:rPr>
+              <a:t>错误。</a:t>
+            </a:r>
+            <a:endParaRPr lang="zh-CN" altLang="en-US" cap="none" dirty="0">
+              <a:latin typeface="Courier New" panose="02070309020205020404" pitchFamily="49" charset="0"/>
+              <a:cs typeface="Courier New" panose="02070309020205020404" pitchFamily="49" charset="0"/>
             </a:endParaRPr>
           </a:p>
-          <a:p>
-            <a:r>
-              <a:rPr lang="zh-CN" altLang="en-US" cap="none" dirty="0" smtClean="0">
-                <a:latin typeface="Century" panose="02040604050505020304" pitchFamily="18" charset="0"/>
-              </a:rPr>
-              <a:t>软链接：又叫符号链接，类似快捷方式，是一个真实存在于硬盘上的文件，但这个文件的内容是另一个文件的地址（近似理解，实际上它的内容为空）。这个链接有自己的</a:t>
-            </a:r>
-            <a:r>
-              <a:rPr lang="en-US" altLang="zh-CN" cap="none" dirty="0" err="1" smtClean="0">
-                <a:latin typeface="Century" panose="02040604050505020304" pitchFamily="18" charset="0"/>
-              </a:rPr>
-              <a:t>inode</a:t>
-            </a:r>
-            <a:r>
-              <a:rPr lang="zh-CN" altLang="en-US" cap="none" dirty="0" smtClean="0">
-                <a:latin typeface="Century" panose="02040604050505020304" pitchFamily="18" charset="0"/>
-              </a:rPr>
-              <a:t>编号，有自己的占用空间等</a:t>
-            </a:r>
-            <a:r>
-              <a:rPr lang="zh-CN" altLang="en-US" cap="none" dirty="0">
-                <a:latin typeface="Century" panose="02040604050505020304" pitchFamily="18" charset="0"/>
-              </a:rPr>
-              <a:t>，</a:t>
-            </a:r>
-            <a:r>
-              <a:rPr lang="zh-CN" altLang="en-US" cap="none" dirty="0" smtClean="0">
-                <a:latin typeface="Century" panose="02040604050505020304" pitchFamily="18" charset="0"/>
-              </a:rPr>
-              <a:t>但一般权限必须和链接到的文件相同。如果在程序中打开一个软链接，操作系统会自动帮你变成打开链接到的文件。</a:t>
-            </a:r>
-            <a:endParaRPr lang="en-US" altLang="zh-CN" cap="none" dirty="0" smtClean="0">
-              <a:latin typeface="Century" panose="02040604050505020304" pitchFamily="18" charset="0"/>
-            </a:endParaRPr>
-          </a:p>
-          <a:p>
-            <a:r>
-              <a:rPr lang="zh-CN" altLang="en-US" cap="none" dirty="0">
-                <a:latin typeface="Century" panose="02040604050505020304" pitchFamily="18" charset="0"/>
-              </a:rPr>
-              <a:t>硬</a:t>
-            </a:r>
-            <a:r>
-              <a:rPr lang="zh-CN" altLang="en-US" cap="none" dirty="0" smtClean="0">
-                <a:latin typeface="Century" panose="02040604050505020304" pitchFamily="18" charset="0"/>
-              </a:rPr>
-              <a:t>链接：考虑目录树，如果在不同的目录下添加了相同的</a:t>
-            </a:r>
-            <a:r>
-              <a:rPr lang="en-US" altLang="zh-CN" cap="none" dirty="0" err="1" smtClean="0">
-                <a:latin typeface="Century" panose="02040604050505020304" pitchFamily="18" charset="0"/>
-              </a:rPr>
-              <a:t>inode</a:t>
-            </a:r>
-            <a:r>
-              <a:rPr lang="zh-CN" altLang="en-US" cap="none" dirty="0" smtClean="0">
-                <a:latin typeface="Century" panose="02040604050505020304" pitchFamily="18" charset="0"/>
-              </a:rPr>
-              <a:t>编号，就是硬链接。因为他们的</a:t>
-            </a:r>
-            <a:r>
-              <a:rPr lang="en-US" altLang="zh-CN" cap="none" dirty="0" err="1" smtClean="0">
-                <a:latin typeface="Century" panose="02040604050505020304" pitchFamily="18" charset="0"/>
-              </a:rPr>
-              <a:t>inode</a:t>
-            </a:r>
-            <a:r>
-              <a:rPr lang="zh-CN" altLang="en-US" cap="none" dirty="0" smtClean="0">
-                <a:latin typeface="Century" panose="02040604050505020304" pitchFamily="18" charset="0"/>
-              </a:rPr>
-              <a:t>编号完全相同，代表的是相同的文件。这就是为什么</a:t>
-            </a:r>
-            <a:r>
-              <a:rPr lang="en-US" altLang="zh-CN" cap="none" dirty="0" err="1" smtClean="0">
-                <a:latin typeface="Century" panose="02040604050505020304" pitchFamily="18" charset="0"/>
-              </a:rPr>
-              <a:t>inode</a:t>
-            </a:r>
-            <a:r>
-              <a:rPr lang="zh-CN" altLang="en-US" cap="none" dirty="0" smtClean="0">
-                <a:latin typeface="Century" panose="02040604050505020304" pitchFamily="18" charset="0"/>
-              </a:rPr>
-              <a:t>中要有 </a:t>
-            </a:r>
-            <a:r>
-              <a:rPr lang="en-US" altLang="zh-CN" cap="none" dirty="0" err="1" smtClean="0">
-                <a:latin typeface="Century" panose="02040604050505020304" pitchFamily="18" charset="0"/>
-              </a:rPr>
-              <a:t>st_nlink</a:t>
-            </a:r>
-            <a:r>
-              <a:rPr lang="en-US" altLang="zh-CN" cap="none" dirty="0" smtClean="0">
-                <a:latin typeface="Century" panose="02040604050505020304" pitchFamily="18" charset="0"/>
-              </a:rPr>
-              <a:t> </a:t>
-            </a:r>
-            <a:r>
-              <a:rPr lang="zh-CN" altLang="en-US" cap="none" dirty="0" smtClean="0">
-                <a:latin typeface="Century" panose="02040604050505020304" pitchFamily="18" charset="0"/>
-              </a:rPr>
-              <a:t>这个成员，如果一个文件对应的硬链接数为</a:t>
-            </a:r>
-            <a:r>
-              <a:rPr lang="en-US" altLang="zh-CN" cap="none" dirty="0" smtClean="0">
-                <a:latin typeface="Century" panose="02040604050505020304" pitchFamily="18" charset="0"/>
-              </a:rPr>
-              <a:t>0</a:t>
-            </a:r>
-            <a:r>
-              <a:rPr lang="zh-CN" altLang="en-US" cap="none" dirty="0" smtClean="0">
-                <a:latin typeface="Century" panose="02040604050505020304" pitchFamily="18" charset="0"/>
-              </a:rPr>
-              <a:t>，那么它就会被从硬盘中删除。</a:t>
-            </a:r>
-            <a:endParaRPr lang="en-US" altLang="zh-CN" cap="none" dirty="0" smtClean="0">
-              <a:latin typeface="Century" panose="02040604050505020304" pitchFamily="18" charset="0"/>
+        </p:txBody>
+      </p:sp>
+      <p:pic>
+        <p:nvPicPr>
+          <p:cNvPr id="6" name="内容占位符 5"/>
+          <p:cNvPicPr>
+            <a:picLocks noGrp="1" noChangeAspect="1"/>
+          </p:cNvPicPr>
+          <p:nvPr>
+            <p:ph sz="quarter" idx="13"/>
+          </p:nvPr>
+        </p:nvPicPr>
+        <p:blipFill>
+          <a:blip r:embed="rId2"/>
+          <a:stretch>
+            <a:fillRect/>
+          </a:stretch>
+        </p:blipFill>
+        <p:spPr>
+          <a:xfrm>
+            <a:off x="1088967" y="2214694"/>
+            <a:ext cx="4131425" cy="4061598"/>
+          </a:xfrm>
+          <a:prstGeom prst="rect">
+            <a:avLst/>
+          </a:prstGeom>
+        </p:spPr>
+      </p:pic>
+      <p:sp>
+        <p:nvSpPr>
+          <p:cNvPr id="8" name="文本框 7"/>
+          <p:cNvSpPr txBox="1"/>
+          <p:nvPr/>
+        </p:nvSpPr>
+        <p:spPr>
+          <a:xfrm>
+            <a:off x="6395224" y="3876161"/>
+            <a:ext cx="4466064" cy="646331"/>
+          </a:xfrm>
+          <a:prstGeom prst="rect">
+            <a:avLst/>
+          </a:prstGeom>
+          <a:noFill/>
+        </p:spPr>
+        <p:txBody>
+          <a:bodyPr wrap="square" rtlCol="0">
+            <a:spAutoFit/>
+          </a:bodyPr>
+          <a:lstStyle/>
+          <a:p>
+            <a:r>
+              <a:rPr lang="zh-CN" altLang="en-US" dirty="0"/>
+              <a:t>把</a:t>
+            </a:r>
+            <a:r>
+              <a:rPr lang="zh-CN" altLang="en-US" dirty="0" smtClean="0"/>
+              <a:t>前三个字节覆盖为</a:t>
+            </a:r>
+            <a:r>
+              <a:rPr lang="en-US" altLang="zh-CN" dirty="0" smtClean="0"/>
+              <a:t>”abc”，再把4～6个字节覆盖为”def”。</a:t>
+            </a:r>
+            <a:endParaRPr lang="zh-CN" altLang="en-US" sz="1800" kern="1200" dirty="0">
+              <a:solidFill>
+                <a:schemeClr val="tx1"/>
+              </a:solidFill>
+              <a:latin typeface="+mn-lt"/>
+              <a:ea typeface="+mn-ea"/>
+              <a:cs typeface="+mn-cs"/>
             </a:endParaRPr>
           </a:p>
         </p:txBody>
@@ -8985,7 +9218,7 @@
     </p:spTree>
     <p:extLst>
       <p:ext uri="{BB962C8B-B14F-4D97-AF65-F5344CB8AC3E}">
-        <p14:creationId xmlns:p14="http://schemas.microsoft.com/office/powerpoint/2010/main" val="199551775"/>
+        <p14:creationId xmlns:p14="http://schemas.microsoft.com/office/powerpoint/2010/main" val="3056071548"/>
       </p:ext>
     </p:extLst>
   </p:cSld>
@@ -8995,9 +9228,80 @@
   <p:timing>
     <p:tnLst>
       <p:par>
-        <p:cTn id="1" dur="indefinite" restart="never" nodeType="tmRoot"/>
+        <p:cTn id="1" dur="indefinite" restart="never" nodeType="tmRoot">
+          <p:childTnLst>
+            <p:seq concurrent="1" nextAc="seek">
+              <p:cTn id="2" dur="indefinite" nodeType="mainSeq">
+                <p:childTnLst>
+                  <p:par>
+                    <p:cTn id="3" fill="hold">
+                      <p:stCondLst>
+                        <p:cond delay="indefinite"/>
+                      </p:stCondLst>
+                      <p:childTnLst>
+                        <p:par>
+                          <p:cTn id="4" fill="hold">
+                            <p:stCondLst>
+                              <p:cond delay="0"/>
+                            </p:stCondLst>
+                            <p:childTnLst>
+                              <p:par>
+                                <p:cTn id="5" presetID="1" presetClass="entr" presetSubtype="0" fill="hold" grpId="0" nodeType="clickEffect">
+                                  <p:stCondLst>
+                                    <p:cond delay="0"/>
+                                  </p:stCondLst>
+                                  <p:childTnLst>
+                                    <p:set>
+                                      <p:cBhvr>
+                                        <p:cTn id="6" dur="1" fill="hold">
+                                          <p:stCondLst>
+                                            <p:cond delay="0"/>
+                                          </p:stCondLst>
+                                        </p:cTn>
+                                        <p:tgtEl>
+                                          <p:spTgt spid="8"/>
+                                        </p:tgtEl>
+                                        <p:attrNameLst>
+                                          <p:attrName>style.visibility</p:attrName>
+                                        </p:attrNameLst>
+                                      </p:cBhvr>
+                                      <p:to>
+                                        <p:strVal val="visible"/>
+                                      </p:to>
+                                    </p:set>
+                                  </p:childTnLst>
+                                </p:cTn>
+                              </p:par>
+                            </p:childTnLst>
+                          </p:cTn>
+                        </p:par>
+                      </p:childTnLst>
+                    </p:cTn>
+                  </p:par>
+                </p:childTnLst>
+              </p:cTn>
+              <p:prevCondLst>
+                <p:cond evt="onPrev" delay="0">
+                  <p:tgtEl>
+                    <p:sldTgt/>
+                  </p:tgtEl>
+                </p:cond>
+              </p:prevCondLst>
+              <p:nextCondLst>
+                <p:cond evt="onNext" delay="0">
+                  <p:tgtEl>
+                    <p:sldTgt/>
+                  </p:tgtEl>
+                </p:cond>
+              </p:nextCondLst>
+            </p:seq>
+          </p:childTnLst>
+        </p:cTn>
       </p:par>
     </p:tnLst>
+    <p:bldLst>
+      <p:bldP spid="8" grpId="0"/>
+    </p:bldLst>
   </p:timing>
 </p:sld>
 </file>
@@ -9186,6 +9490,221 @@
 </file>
 
 <file path=ppt/slides/slide20.xml><?xml version="1.0" encoding="utf-8"?>
+<p:sld xmlns:a="http://schemas.openxmlformats.org/drawingml/2006/main" xmlns:r="http://schemas.openxmlformats.org/officeDocument/2006/relationships" xmlns:p="http://schemas.openxmlformats.org/presentationml/2006/main">
+  <p:cSld>
+    <p:spTree>
+      <p:nvGrpSpPr>
+        <p:cNvPr id="1" name=""/>
+        <p:cNvGrpSpPr/>
+        <p:nvPr/>
+      </p:nvGrpSpPr>
+      <p:grpSpPr>
+        <a:xfrm>
+          <a:off x="0" y="0"/>
+          <a:ext cx="0" cy="0"/>
+          <a:chOff x="0" y="0"/>
+          <a:chExt cx="0" cy="0"/>
+        </a:xfrm>
+      </p:grpSpPr>
+      <p:sp>
+        <p:nvSpPr>
+          <p:cNvPr id="2" name="标题 1"/>
+          <p:cNvSpPr>
+            <a:spLocks noGrp="1"/>
+          </p:cNvSpPr>
+          <p:nvPr>
+            <p:ph type="title"/>
+          </p:nvPr>
+        </p:nvSpPr>
+        <p:spPr/>
+        <p:txBody>
+          <a:bodyPr/>
+          <a:lstStyle/>
+          <a:p>
+            <a:r>
+              <a:rPr lang="zh-CN" altLang="en-US" cap="none" dirty="0" smtClean="0">
+                <a:latin typeface="Century" panose="02040604050505020304" pitchFamily="18" charset="0"/>
+              </a:rPr>
+              <a:t>如果还有时间？</a:t>
+            </a:r>
+            <a:endParaRPr lang="zh-CN" altLang="en-US" cap="none" dirty="0">
+              <a:latin typeface="Century" panose="02040604050505020304" pitchFamily="18" charset="0"/>
+            </a:endParaRPr>
+          </a:p>
+        </p:txBody>
+      </p:sp>
+      <p:sp>
+        <p:nvSpPr>
+          <p:cNvPr id="3" name="内容占位符 2"/>
+          <p:cNvSpPr>
+            <a:spLocks noGrp="1"/>
+          </p:cNvSpPr>
+          <p:nvPr>
+            <p:ph sz="quarter" idx="13"/>
+          </p:nvPr>
+        </p:nvSpPr>
+        <p:spPr/>
+        <p:txBody>
+          <a:bodyPr/>
+          <a:lstStyle/>
+          <a:p>
+            <a:r>
+              <a:rPr lang="en-US" altLang="zh-CN" cap="none" dirty="0" smtClean="0">
+                <a:latin typeface="Century" panose="02040604050505020304" pitchFamily="18" charset="0"/>
+              </a:rPr>
+              <a:t>Linux</a:t>
+            </a:r>
+            <a:r>
+              <a:rPr lang="zh-CN" altLang="en-US" cap="none" dirty="0" smtClean="0">
+                <a:latin typeface="Century" panose="02040604050505020304" pitchFamily="18" charset="0"/>
+              </a:rPr>
+              <a:t>下的软硬链接？</a:t>
+            </a:r>
+            <a:endParaRPr lang="en-US" altLang="zh-CN" cap="none" dirty="0" smtClean="0">
+              <a:latin typeface="Century" panose="02040604050505020304" pitchFamily="18" charset="0"/>
+            </a:endParaRPr>
+          </a:p>
+          <a:p>
+            <a:r>
+              <a:rPr lang="zh-CN" altLang="en-US" cap="none" dirty="0" smtClean="0">
+                <a:latin typeface="Century" panose="02040604050505020304" pitchFamily="18" charset="0"/>
+              </a:rPr>
+              <a:t>软链接：又叫符号链接，类似快捷方式，是一个真实存在于硬盘上的文件，但这个文件的内容是另一个文件的地址（近似理解，实际上它的内容为空）。这个链接有自己的</a:t>
+            </a:r>
+            <a:r>
+              <a:rPr lang="en-US" altLang="zh-CN" cap="none" dirty="0" err="1" smtClean="0">
+                <a:latin typeface="Century" panose="02040604050505020304" pitchFamily="18" charset="0"/>
+              </a:rPr>
+              <a:t>inode</a:t>
+            </a:r>
+            <a:r>
+              <a:rPr lang="zh-CN" altLang="en-US" cap="none" dirty="0" smtClean="0">
+                <a:latin typeface="Century" panose="02040604050505020304" pitchFamily="18" charset="0"/>
+              </a:rPr>
+              <a:t>编号，有自己的占用空间等</a:t>
+            </a:r>
+            <a:r>
+              <a:rPr lang="zh-CN" altLang="en-US" cap="none" dirty="0">
+                <a:latin typeface="Century" panose="02040604050505020304" pitchFamily="18" charset="0"/>
+              </a:rPr>
+              <a:t>，</a:t>
+            </a:r>
+            <a:r>
+              <a:rPr lang="zh-CN" altLang="en-US" cap="none" dirty="0" smtClean="0">
+                <a:latin typeface="Century" panose="02040604050505020304" pitchFamily="18" charset="0"/>
+              </a:rPr>
+              <a:t>但一般权限必须和链接到的文件相同。如果在程序中打开一个软链接，操作系统会自动帮你变成打开链接到的文件。</a:t>
+            </a:r>
+            <a:endParaRPr lang="en-US" altLang="zh-CN" cap="none" dirty="0" smtClean="0">
+              <a:latin typeface="Century" panose="02040604050505020304" pitchFamily="18" charset="0"/>
+            </a:endParaRPr>
+          </a:p>
+          <a:p>
+            <a:r>
+              <a:rPr lang="zh-CN" altLang="en-US" cap="none" dirty="0">
+                <a:latin typeface="Century" panose="02040604050505020304" pitchFamily="18" charset="0"/>
+              </a:rPr>
+              <a:t>硬</a:t>
+            </a:r>
+            <a:r>
+              <a:rPr lang="zh-CN" altLang="en-US" cap="none" dirty="0" smtClean="0">
+                <a:latin typeface="Century" panose="02040604050505020304" pitchFamily="18" charset="0"/>
+              </a:rPr>
+              <a:t>链接：考虑目录树，如果在不同的目录下添加了相同的</a:t>
+            </a:r>
+            <a:r>
+              <a:rPr lang="en-US" altLang="zh-CN" cap="none" dirty="0" err="1" smtClean="0">
+                <a:latin typeface="Century" panose="02040604050505020304" pitchFamily="18" charset="0"/>
+              </a:rPr>
+              <a:t>inode</a:t>
+            </a:r>
+            <a:r>
+              <a:rPr lang="zh-CN" altLang="en-US" cap="none" dirty="0" smtClean="0">
+                <a:latin typeface="Century" panose="02040604050505020304" pitchFamily="18" charset="0"/>
+              </a:rPr>
+              <a:t>编号，就是硬链接。因为他们的</a:t>
+            </a:r>
+            <a:r>
+              <a:rPr lang="en-US" altLang="zh-CN" cap="none" dirty="0" err="1" smtClean="0">
+                <a:latin typeface="Century" panose="02040604050505020304" pitchFamily="18" charset="0"/>
+              </a:rPr>
+              <a:t>inode</a:t>
+            </a:r>
+            <a:r>
+              <a:rPr lang="zh-CN" altLang="en-US" cap="none" dirty="0" smtClean="0">
+                <a:latin typeface="Century" panose="02040604050505020304" pitchFamily="18" charset="0"/>
+              </a:rPr>
+              <a:t>编号完全相同，代表的是相同的文件。这就是为什么</a:t>
+            </a:r>
+            <a:r>
+              <a:rPr lang="en-US" altLang="zh-CN" cap="none" dirty="0" err="1" smtClean="0">
+                <a:latin typeface="Century" panose="02040604050505020304" pitchFamily="18" charset="0"/>
+              </a:rPr>
+              <a:t>inode</a:t>
+            </a:r>
+            <a:r>
+              <a:rPr lang="zh-CN" altLang="en-US" cap="none" dirty="0" smtClean="0">
+                <a:latin typeface="Century" panose="02040604050505020304" pitchFamily="18" charset="0"/>
+              </a:rPr>
+              <a:t>中要有 </a:t>
+            </a:r>
+            <a:r>
+              <a:rPr lang="en-US" altLang="zh-CN" cap="none" dirty="0" err="1" smtClean="0">
+                <a:latin typeface="Century" panose="02040604050505020304" pitchFamily="18" charset="0"/>
+              </a:rPr>
+              <a:t>st_nlink</a:t>
+            </a:r>
+            <a:r>
+              <a:rPr lang="en-US" altLang="zh-CN" cap="none" dirty="0" smtClean="0">
+                <a:latin typeface="Century" panose="02040604050505020304" pitchFamily="18" charset="0"/>
+              </a:rPr>
+              <a:t> </a:t>
+            </a:r>
+            <a:r>
+              <a:rPr lang="zh-CN" altLang="en-US" cap="none" dirty="0" smtClean="0">
+                <a:latin typeface="Century" panose="02040604050505020304" pitchFamily="18" charset="0"/>
+              </a:rPr>
+              <a:t>这个成员，如果一个文件对应的硬链接数为</a:t>
+            </a:r>
+            <a:r>
+              <a:rPr lang="en-US" altLang="zh-CN" cap="none" dirty="0" smtClean="0">
+                <a:latin typeface="Century" panose="02040604050505020304" pitchFamily="18" charset="0"/>
+              </a:rPr>
+              <a:t>0</a:t>
+            </a:r>
+            <a:r>
+              <a:rPr lang="zh-CN" altLang="en-US" cap="none" dirty="0" smtClean="0">
+                <a:latin typeface="Century" panose="02040604050505020304" pitchFamily="18" charset="0"/>
+              </a:rPr>
+              <a:t>，那么它就会被从硬盘中删除。</a:t>
+            </a:r>
+            <a:endParaRPr lang="en-US" altLang="zh-CN" cap="none" dirty="0" smtClean="0">
+              <a:latin typeface="Century" panose="02040604050505020304" pitchFamily="18" charset="0"/>
+            </a:endParaRPr>
+          </a:p>
+        </p:txBody>
+      </p:sp>
+    </p:spTree>
+    <p:extLst>
+      <p:ext uri="{BB962C8B-B14F-4D97-AF65-F5344CB8AC3E}">
+        <p14:creationId xmlns:p14="http://schemas.microsoft.com/office/powerpoint/2010/main" val="199551775"/>
+      </p:ext>
+    </p:extLst>
+  </p:cSld>
+  <p:clrMapOvr>
+    <a:masterClrMapping/>
+  </p:clrMapOvr>
+  <p:timing>
+    <p:tnLst>
+      <p:par>
+        <p:cTn id="1" dur="indefinite" restart="never" nodeType="tmRoot"/>
+      </p:par>
+    </p:tnLst>
+  </p:timing>
+</p:sld>
+</file>
+
+<file path=ppt/slides/slide21.xml><?xml version="1.0" encoding="utf-8"?>
 <p:sld xmlns:a="http://schemas.openxmlformats.org/drawingml/2006/main" xmlns:r="http://schemas.openxmlformats.org/officeDocument/2006/relationships" xmlns:p="http://schemas.openxmlformats.org/presentationml/2006/main">
   <p:cSld>
     <p:spTree>
@@ -9342,7 +9861,7 @@
 </p:sld>
 </file>
 
-<file path=ppt/slides/slide21.xml><?xml version="1.0" encoding="utf-8"?>
+<file path=ppt/slides/slide22.xml><?xml version="1.0" encoding="utf-8"?>
 <p:sld xmlns:a="http://schemas.openxmlformats.org/drawingml/2006/main" xmlns:r="http://schemas.openxmlformats.org/officeDocument/2006/relationships" xmlns:p="http://schemas.openxmlformats.org/presentationml/2006/main">
   <p:cSld>
     <p:spTree>
@@ -9452,13 +9971,7 @@
               <a:rPr lang="zh-CN" altLang="en-US" cap="none" dirty="0" smtClean="0">
                 <a:latin typeface="Century" panose="02040604050505020304" pitchFamily="18" charset="0"/>
               </a:rPr>
-              <a:t>类似于虚存的</a:t>
-            </a:r>
-            <a:r>
-              <a:rPr lang="zh-CN" altLang="en-US" cap="none" dirty="0" smtClean="0">
-                <a:latin typeface="Century" panose="02040604050505020304" pitchFamily="18" charset="0"/>
-              </a:rPr>
-              <a:t>思想</a:t>
+              <a:t>类似于虚存的思想</a:t>
             </a:r>
             <a:r>
               <a:rPr lang="zh-CN" altLang="en-US" cap="none" dirty="0">
